--- a/ML_Practises/images/ML Practices.pptx
+++ b/ML_Practises/images/ML Practices.pptx
@@ -11,11 +11,13 @@
     <p:sldId id="256" r:id="rId3"/>
     <p:sldId id="257" r:id="rId4"/>
     <p:sldId id="260" r:id="rId6"/>
-    <p:sldId id="259" r:id="rId7"/>
-    <p:sldId id="258" r:id="rId8"/>
-    <p:sldId id="261" r:id="rId9"/>
-    <p:sldId id="262" r:id="rId10"/>
-    <p:sldId id="263" r:id="rId11"/>
+    <p:sldId id="266" r:id="rId7"/>
+    <p:sldId id="259" r:id="rId8"/>
+    <p:sldId id="267" r:id="rId9"/>
+    <p:sldId id="258" r:id="rId10"/>
+    <p:sldId id="261" r:id="rId11"/>
+    <p:sldId id="262" r:id="rId12"/>
+    <p:sldId id="263" r:id="rId13"/>
   </p:sldIdLst>
   <p:sldSz cx="12192000" cy="6858000"/>
   <p:notesSz cx="7103745" cy="10234295"/>
@@ -3698,6 +3700,971 @@
 </p:sld>
 </file>
 
+<file path=ppt/slides/slide10.xml><?xml version="1.0" encoding="utf-8"?>
+<p:sld xmlns:a="http://schemas.openxmlformats.org/drawingml/2006/main" xmlns:r="http://schemas.openxmlformats.org/officeDocument/2006/relationships" xmlns:p="http://schemas.openxmlformats.org/presentationml/2006/main">
+  <p:cSld>
+    <p:spTree>
+      <p:nvGrpSpPr>
+        <p:cNvPr id="1" name=""/>
+        <p:cNvGrpSpPr/>
+        <p:nvPr/>
+      </p:nvGrpSpPr>
+      <p:grpSpPr/>
+      <p:sp>
+        <p:nvSpPr>
+          <p:cNvPr id="17" name="Rounded Rectangle 16"/>
+          <p:cNvSpPr/>
+          <p:nvPr/>
+        </p:nvSpPr>
+        <p:spPr>
+          <a:xfrm>
+            <a:off x="1303020" y="378460"/>
+            <a:ext cx="8644890" cy="6262370"/>
+          </a:xfrm>
+          <a:prstGeom prst="roundRect">
+            <a:avLst/>
+          </a:prstGeom>
+          <a:solidFill>
+            <a:srgbClr val="C39BE1">
+              <a:alpha val="50000"/>
+            </a:srgbClr>
+          </a:solidFill>
+          <a:ln w="50800" cmpd="sng">
+            <a:solidFill>
+              <a:srgbClr val="7030A0"/>
+            </a:solidFill>
+            <a:prstDash val="solid"/>
+          </a:ln>
+        </p:spPr>
+        <p:style>
+          <a:lnRef idx="2">
+            <a:schemeClr val="accent1">
+              <a:shade val="50000"/>
+            </a:schemeClr>
+          </a:lnRef>
+          <a:fillRef idx="1">
+            <a:schemeClr val="accent1"/>
+          </a:fillRef>
+          <a:effectRef idx="0">
+            <a:schemeClr val="accent1"/>
+          </a:effectRef>
+          <a:fontRef idx="minor">
+            <a:schemeClr val="lt1"/>
+          </a:fontRef>
+        </p:style>
+        <p:txBody>
+          <a:bodyPr rtlCol="0" anchor="ctr"/>
+          <a:p>
+            <a:pPr algn="ctr"/>
+            <a:endParaRPr lang="en-US" altLang="en-US" b="1">
+              <a:solidFill>
+                <a:schemeClr val="tx1">
+                  <a:lumMod val="65000"/>
+                  <a:lumOff val="35000"/>
+                </a:schemeClr>
+              </a:solidFill>
+              <a:sym typeface="+mn-ea"/>
+            </a:endParaRPr>
+          </a:p>
+        </p:txBody>
+      </p:sp>
+      <p:grpSp>
+        <p:nvGrpSpPr>
+          <p:cNvPr id="11" name="Group 10"/>
+          <p:cNvGrpSpPr/>
+          <p:nvPr/>
+        </p:nvGrpSpPr>
+        <p:grpSpPr>
+          <a:xfrm>
+            <a:off x="1835150" y="845820"/>
+            <a:ext cx="7691237" cy="5157419"/>
+            <a:chOff x="1454" y="1095"/>
+            <a:chExt cx="13172" cy="8833"/>
+          </a:xfrm>
+        </p:grpSpPr>
+        <p:sp>
+          <p:nvSpPr>
+            <p:cNvPr id="49" name="Right Arrow Callout 48"/>
+            <p:cNvSpPr/>
+            <p:nvPr/>
+          </p:nvSpPr>
+          <p:spPr>
+            <a:xfrm>
+              <a:off x="1866" y="1318"/>
+              <a:ext cx="4605" cy="8291"/>
+            </a:xfrm>
+            <a:prstGeom prst="rightArrowCallout">
+              <a:avLst/>
+            </a:prstGeom>
+            <a:solidFill>
+              <a:schemeClr val="accent2">
+                <a:lumMod val="60000"/>
+                <a:lumOff val="40000"/>
+                <a:alpha val="0"/>
+              </a:schemeClr>
+            </a:solidFill>
+            <a:ln w="50800">
+              <a:solidFill>
+                <a:schemeClr val="accent1">
+                  <a:lumMod val="75000"/>
+                </a:schemeClr>
+              </a:solidFill>
+            </a:ln>
+          </p:spPr>
+          <p:style>
+            <a:lnRef idx="2">
+              <a:schemeClr val="accent1">
+                <a:shade val="50000"/>
+              </a:schemeClr>
+            </a:lnRef>
+            <a:fillRef idx="1">
+              <a:schemeClr val="accent1"/>
+            </a:fillRef>
+            <a:effectRef idx="0">
+              <a:schemeClr val="accent1"/>
+            </a:effectRef>
+            <a:fontRef idx="minor">
+              <a:schemeClr val="lt1"/>
+            </a:fontRef>
+          </p:style>
+          <p:txBody>
+            <a:bodyPr rtlCol="0" anchor="ctr"/>
+            <a:p>
+              <a:pPr algn="ctr"/>
+              <a:endParaRPr lang="en-US"/>
+            </a:p>
+          </p:txBody>
+        </p:sp>
+        <p:grpSp>
+          <p:nvGrpSpPr>
+            <p:cNvPr id="9" name="Group 8"/>
+            <p:cNvGrpSpPr/>
+            <p:nvPr/>
+          </p:nvGrpSpPr>
+          <p:grpSpPr>
+            <a:xfrm>
+              <a:off x="1454" y="1095"/>
+              <a:ext cx="3110" cy="8833"/>
+              <a:chOff x="2804" y="1545"/>
+              <a:chExt cx="3110" cy="8833"/>
+            </a:xfrm>
+          </p:grpSpPr>
+          <p:sp>
+            <p:nvSpPr>
+              <p:cNvPr id="4" name="Rounded Rectangle 3"/>
+              <p:cNvSpPr/>
+              <p:nvPr/>
+            </p:nvSpPr>
+            <p:spPr>
+              <a:xfrm>
+                <a:off x="2804" y="1545"/>
+                <a:ext cx="3110" cy="2044"/>
+              </a:xfrm>
+              <a:prstGeom prst="roundRect">
+                <a:avLst/>
+              </a:prstGeom>
+              <a:solidFill>
+                <a:schemeClr val="accent1">
+                  <a:lumMod val="60000"/>
+                  <a:lumOff val="40000"/>
+                </a:schemeClr>
+              </a:solidFill>
+              <a:ln w="50800" cmpd="sng">
+                <a:solidFill>
+                  <a:schemeClr val="accent1">
+                    <a:lumMod val="75000"/>
+                  </a:schemeClr>
+                </a:solidFill>
+                <a:prstDash val="solid"/>
+              </a:ln>
+            </p:spPr>
+            <p:style>
+              <a:lnRef idx="2">
+                <a:schemeClr val="accent1">
+                  <a:shade val="50000"/>
+                </a:schemeClr>
+              </a:lnRef>
+              <a:fillRef idx="1">
+                <a:schemeClr val="accent1"/>
+              </a:fillRef>
+              <a:effectRef idx="0">
+                <a:schemeClr val="accent1"/>
+              </a:effectRef>
+              <a:fontRef idx="minor">
+                <a:schemeClr val="lt1"/>
+              </a:fontRef>
+            </p:style>
+            <p:txBody>
+              <a:bodyPr rtlCol="0" anchor="ctr"/>
+              <a:p>
+                <a:pPr algn="ctr"/>
+                <a:r>
+                  <a:rPr lang="en-US" altLang="en-US" b="1">
+                    <a:solidFill>
+                      <a:schemeClr val="accent1">
+                        <a:lumMod val="50000"/>
+                      </a:schemeClr>
+                    </a:solidFill>
+                    <a:sym typeface="+mn-ea"/>
+                  </a:rPr>
+                  <a:t>CV1 </a:t>
+                </a:r>
+                <a:r>
+                  <a:rPr lang="en-US">
+                    <a:latin typeface="P052" charset="0"/>
+                    <a:sym typeface="+mn-ea"/>
+                  </a:rPr>
+                  <a:t>➡</a:t>
+                </a:r>
+                <a:endParaRPr lang="en-US">
+                  <a:latin typeface="P052" charset="0"/>
+                </a:endParaRPr>
+              </a:p>
+              <a:p>
+                <a:pPr algn="ctr"/>
+                <a:r>
+                  <a:rPr lang="en-US" altLang="en-US" b="1">
+                    <a:solidFill>
+                      <a:schemeClr val="accent1">
+                        <a:lumMod val="50000"/>
+                      </a:schemeClr>
+                    </a:solidFill>
+                    <a:sym typeface="+mn-ea"/>
+                  </a:rPr>
+                  <a:t> </a:t>
+                </a:r>
+                <a:r>
+                  <a:rPr lang="en-US" altLang="en-US" b="1">
+                    <a:solidFill>
+                      <a:schemeClr val="tx1">
+                        <a:lumMod val="65000"/>
+                        <a:lumOff val="35000"/>
+                      </a:schemeClr>
+                    </a:solidFill>
+                    <a:sym typeface="+mn-ea"/>
+                  </a:rPr>
+                  <a:t>MODEL C</a:t>
+                </a:r>
+                <a:endParaRPr lang="en-US" altLang="en-US" b="1">
+                  <a:solidFill>
+                    <a:schemeClr val="tx1">
+                      <a:lumMod val="65000"/>
+                      <a:lumOff val="35000"/>
+                    </a:schemeClr>
+                  </a:solidFill>
+                  <a:sym typeface="+mn-ea"/>
+                </a:endParaRPr>
+              </a:p>
+            </p:txBody>
+          </p:sp>
+          <p:sp>
+            <p:nvSpPr>
+              <p:cNvPr id="6" name="Rounded Rectangle 5"/>
+              <p:cNvSpPr/>
+              <p:nvPr/>
+            </p:nvSpPr>
+            <p:spPr>
+              <a:xfrm>
+                <a:off x="2804" y="3820"/>
+                <a:ext cx="3110" cy="2044"/>
+              </a:xfrm>
+              <a:prstGeom prst="roundRect">
+                <a:avLst/>
+              </a:prstGeom>
+              <a:solidFill>
+                <a:schemeClr val="accent1">
+                  <a:lumMod val="60000"/>
+                  <a:lumOff val="40000"/>
+                </a:schemeClr>
+              </a:solidFill>
+              <a:ln w="50800" cmpd="sng">
+                <a:solidFill>
+                  <a:schemeClr val="accent1">
+                    <a:lumMod val="75000"/>
+                  </a:schemeClr>
+                </a:solidFill>
+                <a:prstDash val="solid"/>
+              </a:ln>
+            </p:spPr>
+            <p:style>
+              <a:lnRef idx="2">
+                <a:schemeClr val="accent1">
+                  <a:shade val="50000"/>
+                </a:schemeClr>
+              </a:lnRef>
+              <a:fillRef idx="1">
+                <a:schemeClr val="accent1"/>
+              </a:fillRef>
+              <a:effectRef idx="0">
+                <a:schemeClr val="accent1"/>
+              </a:effectRef>
+              <a:fontRef idx="minor">
+                <a:schemeClr val="lt1"/>
+              </a:fontRef>
+            </p:style>
+            <p:txBody>
+              <a:bodyPr rtlCol="0" anchor="ctr"/>
+              <a:p>
+                <a:pPr algn="ctr"/>
+                <a:r>
+                  <a:rPr lang="en-US" altLang="en-US" b="1">
+                    <a:solidFill>
+                      <a:schemeClr val="accent1">
+                        <a:lumMod val="50000"/>
+                      </a:schemeClr>
+                    </a:solidFill>
+                    <a:sym typeface="+mn-ea"/>
+                  </a:rPr>
+                  <a:t>CV2 </a:t>
+                </a:r>
+                <a:r>
+                  <a:rPr lang="en-US">
+                    <a:latin typeface="P052" charset="0"/>
+                    <a:sym typeface="+mn-ea"/>
+                  </a:rPr>
+                  <a:t>➡</a:t>
+                </a:r>
+                <a:endParaRPr lang="en-US">
+                  <a:latin typeface="P052" charset="0"/>
+                </a:endParaRPr>
+              </a:p>
+              <a:p>
+                <a:pPr algn="ctr"/>
+                <a:r>
+                  <a:rPr lang="en-US" altLang="en-US" b="1">
+                    <a:solidFill>
+                      <a:schemeClr val="accent1">
+                        <a:lumMod val="50000"/>
+                      </a:schemeClr>
+                    </a:solidFill>
+                    <a:sym typeface="+mn-ea"/>
+                  </a:rPr>
+                  <a:t> </a:t>
+                </a:r>
+                <a:r>
+                  <a:rPr lang="en-US" altLang="en-US" b="1">
+                    <a:solidFill>
+                      <a:schemeClr val="tx1">
+                        <a:lumMod val="65000"/>
+                        <a:lumOff val="35000"/>
+                      </a:schemeClr>
+                    </a:solidFill>
+                    <a:sym typeface="+mn-ea"/>
+                  </a:rPr>
+                  <a:t>MODEL A</a:t>
+                </a:r>
+                <a:endParaRPr lang="en-US" altLang="en-US" b="1">
+                  <a:solidFill>
+                    <a:schemeClr val="tx1">
+                      <a:lumMod val="65000"/>
+                      <a:lumOff val="35000"/>
+                    </a:schemeClr>
+                  </a:solidFill>
+                  <a:sym typeface="+mn-ea"/>
+                </a:endParaRPr>
+              </a:p>
+            </p:txBody>
+          </p:sp>
+          <p:sp>
+            <p:nvSpPr>
+              <p:cNvPr id="7" name="Rounded Rectangle 6"/>
+              <p:cNvSpPr/>
+              <p:nvPr/>
+            </p:nvSpPr>
+            <p:spPr>
+              <a:xfrm>
+                <a:off x="2804" y="6077"/>
+                <a:ext cx="3110" cy="2044"/>
+              </a:xfrm>
+              <a:prstGeom prst="roundRect">
+                <a:avLst/>
+              </a:prstGeom>
+              <a:solidFill>
+                <a:schemeClr val="accent1">
+                  <a:lumMod val="60000"/>
+                  <a:lumOff val="40000"/>
+                </a:schemeClr>
+              </a:solidFill>
+              <a:ln w="50800" cmpd="sng">
+                <a:solidFill>
+                  <a:schemeClr val="accent1">
+                    <a:lumMod val="75000"/>
+                  </a:schemeClr>
+                </a:solidFill>
+                <a:prstDash val="solid"/>
+              </a:ln>
+            </p:spPr>
+            <p:style>
+              <a:lnRef idx="2">
+                <a:schemeClr val="accent1">
+                  <a:shade val="50000"/>
+                </a:schemeClr>
+              </a:lnRef>
+              <a:fillRef idx="1">
+                <a:schemeClr val="accent1"/>
+              </a:fillRef>
+              <a:effectRef idx="0">
+                <a:schemeClr val="accent1"/>
+              </a:effectRef>
+              <a:fontRef idx="minor">
+                <a:schemeClr val="lt1"/>
+              </a:fontRef>
+            </p:style>
+            <p:txBody>
+              <a:bodyPr rtlCol="0" anchor="ctr"/>
+              <a:p>
+                <a:pPr algn="ctr"/>
+                <a:r>
+                  <a:rPr lang="en-US" altLang="en-US" b="1">
+                    <a:solidFill>
+                      <a:schemeClr val="accent1">
+                        <a:lumMod val="50000"/>
+                      </a:schemeClr>
+                    </a:solidFill>
+                    <a:sym typeface="+mn-ea"/>
+                  </a:rPr>
+                  <a:t>CV3 </a:t>
+                </a:r>
+                <a:r>
+                  <a:rPr lang="en-US">
+                    <a:latin typeface="P052" charset="0"/>
+                    <a:sym typeface="+mn-ea"/>
+                  </a:rPr>
+                  <a:t>➡</a:t>
+                </a:r>
+                <a:endParaRPr lang="en-US">
+                  <a:latin typeface="P052" charset="0"/>
+                </a:endParaRPr>
+              </a:p>
+              <a:p>
+                <a:pPr algn="ctr"/>
+                <a:r>
+                  <a:rPr lang="en-US" altLang="en-US" b="1">
+                    <a:solidFill>
+                      <a:schemeClr val="accent1">
+                        <a:lumMod val="50000"/>
+                      </a:schemeClr>
+                    </a:solidFill>
+                    <a:sym typeface="+mn-ea"/>
+                  </a:rPr>
+                  <a:t> </a:t>
+                </a:r>
+                <a:r>
+                  <a:rPr lang="en-US" altLang="en-US" b="1">
+                    <a:solidFill>
+                      <a:schemeClr val="tx1">
+                        <a:lumMod val="65000"/>
+                        <a:lumOff val="35000"/>
+                      </a:schemeClr>
+                    </a:solidFill>
+                    <a:sym typeface="+mn-ea"/>
+                  </a:rPr>
+                  <a:t>MODEL A</a:t>
+                </a:r>
+                <a:endParaRPr lang="en-US" altLang="en-US" b="1">
+                  <a:solidFill>
+                    <a:schemeClr val="tx1">
+                      <a:lumMod val="65000"/>
+                      <a:lumOff val="35000"/>
+                    </a:schemeClr>
+                  </a:solidFill>
+                  <a:sym typeface="+mn-ea"/>
+                </a:endParaRPr>
+              </a:p>
+            </p:txBody>
+          </p:sp>
+          <p:sp>
+            <p:nvSpPr>
+              <p:cNvPr id="8" name="Rounded Rectangle 7"/>
+              <p:cNvSpPr/>
+              <p:nvPr/>
+            </p:nvSpPr>
+            <p:spPr>
+              <a:xfrm>
+                <a:off x="2804" y="8334"/>
+                <a:ext cx="3110" cy="2044"/>
+              </a:xfrm>
+              <a:prstGeom prst="roundRect">
+                <a:avLst/>
+              </a:prstGeom>
+              <a:solidFill>
+                <a:schemeClr val="accent1">
+                  <a:lumMod val="60000"/>
+                  <a:lumOff val="40000"/>
+                </a:schemeClr>
+              </a:solidFill>
+              <a:ln w="50800" cmpd="sng">
+                <a:solidFill>
+                  <a:schemeClr val="accent1">
+                    <a:lumMod val="75000"/>
+                  </a:schemeClr>
+                </a:solidFill>
+                <a:prstDash val="solid"/>
+              </a:ln>
+            </p:spPr>
+            <p:style>
+              <a:lnRef idx="2">
+                <a:schemeClr val="accent1">
+                  <a:shade val="50000"/>
+                </a:schemeClr>
+              </a:lnRef>
+              <a:fillRef idx="1">
+                <a:schemeClr val="accent1"/>
+              </a:fillRef>
+              <a:effectRef idx="0">
+                <a:schemeClr val="accent1"/>
+              </a:effectRef>
+              <a:fontRef idx="minor">
+                <a:schemeClr val="lt1"/>
+              </a:fontRef>
+            </p:style>
+            <p:txBody>
+              <a:bodyPr rtlCol="0" anchor="ctr"/>
+              <a:p>
+                <a:pPr algn="ctr"/>
+                <a:r>
+                  <a:rPr lang="en-US" altLang="en-US" b="1">
+                    <a:solidFill>
+                      <a:schemeClr val="accent1">
+                        <a:lumMod val="50000"/>
+                      </a:schemeClr>
+                    </a:solidFill>
+                    <a:sym typeface="+mn-ea"/>
+                  </a:rPr>
+                  <a:t>CV4 </a:t>
+                </a:r>
+                <a:r>
+                  <a:rPr lang="en-US">
+                    <a:latin typeface="P052" charset="0"/>
+                    <a:sym typeface="+mn-ea"/>
+                  </a:rPr>
+                  <a:t>➡</a:t>
+                </a:r>
+                <a:endParaRPr lang="en-US">
+                  <a:latin typeface="P052" charset="0"/>
+                </a:endParaRPr>
+              </a:p>
+              <a:p>
+                <a:pPr algn="ctr"/>
+                <a:r>
+                  <a:rPr lang="en-US" altLang="en-US" b="1">
+                    <a:solidFill>
+                      <a:schemeClr val="accent1">
+                        <a:lumMod val="50000"/>
+                      </a:schemeClr>
+                    </a:solidFill>
+                    <a:sym typeface="+mn-ea"/>
+                  </a:rPr>
+                  <a:t> </a:t>
+                </a:r>
+                <a:r>
+                  <a:rPr lang="en-US" altLang="en-US" b="1">
+                    <a:solidFill>
+                      <a:schemeClr val="tx1">
+                        <a:lumMod val="65000"/>
+                        <a:lumOff val="35000"/>
+                      </a:schemeClr>
+                    </a:solidFill>
+                    <a:sym typeface="+mn-ea"/>
+                  </a:rPr>
+                  <a:t>MODEL B</a:t>
+                </a:r>
+                <a:endParaRPr lang="en-US" altLang="en-US" b="1">
+                  <a:solidFill>
+                    <a:schemeClr val="tx1">
+                      <a:lumMod val="65000"/>
+                      <a:lumOff val="35000"/>
+                    </a:schemeClr>
+                  </a:solidFill>
+                  <a:sym typeface="+mn-ea"/>
+                </a:endParaRPr>
+              </a:p>
+            </p:txBody>
+          </p:sp>
+        </p:grpSp>
+        <p:sp>
+          <p:nvSpPr>
+            <p:cNvPr id="60" name="Rounded Rectangle 59"/>
+            <p:cNvSpPr/>
+            <p:nvPr/>
+          </p:nvSpPr>
+          <p:spPr>
+            <a:xfrm>
+              <a:off x="6687" y="3622"/>
+              <a:ext cx="3806" cy="3795"/>
+            </a:xfrm>
+            <a:prstGeom prst="roundRect">
+              <a:avLst/>
+            </a:prstGeom>
+            <a:solidFill>
+              <a:srgbClr val="BC90DE"/>
+            </a:solidFill>
+            <a:ln w="50800" cmpd="sng">
+              <a:solidFill>
+                <a:srgbClr val="7030A0"/>
+              </a:solidFill>
+              <a:prstDash val="solid"/>
+            </a:ln>
+          </p:spPr>
+          <p:style>
+            <a:lnRef idx="2">
+              <a:schemeClr val="accent1">
+                <a:shade val="50000"/>
+              </a:schemeClr>
+            </a:lnRef>
+            <a:fillRef idx="1">
+              <a:schemeClr val="accent1"/>
+            </a:fillRef>
+            <a:effectRef idx="0">
+              <a:schemeClr val="accent1"/>
+            </a:effectRef>
+            <a:fontRef idx="minor">
+              <a:schemeClr val="lt1"/>
+            </a:fontRef>
+          </p:style>
+          <p:txBody>
+            <a:bodyPr rtlCol="0" anchor="ctr"/>
+            <a:p>
+              <a:pPr algn="ctr"/>
+              <a:r>
+                <a:rPr lang="en-US" altLang="en-US" b="1">
+                  <a:solidFill>
+                    <a:srgbClr val="7030A0"/>
+                  </a:solidFill>
+                  <a:sym typeface="+mn-ea"/>
+                </a:rPr>
+                <a:t>SELECT</a:t>
+              </a:r>
+              <a:endParaRPr lang="en-US" altLang="en-US" b="1">
+                <a:solidFill>
+                  <a:srgbClr val="7030A0"/>
+                </a:solidFill>
+                <a:sym typeface="+mn-ea"/>
+              </a:endParaRPr>
+            </a:p>
+            <a:p>
+              <a:pPr algn="ctr"/>
+              <a:r>
+                <a:rPr lang="en-US" altLang="en-US" b="1">
+                  <a:solidFill>
+                    <a:srgbClr val="7030A0"/>
+                  </a:solidFill>
+                  <a:sym typeface="+mn-ea"/>
+                </a:rPr>
+                <a:t>BEST</a:t>
+              </a:r>
+              <a:endParaRPr lang="en-US" altLang="en-US" b="1">
+                <a:solidFill>
+                  <a:srgbClr val="7030A0"/>
+                </a:solidFill>
+                <a:sym typeface="+mn-ea"/>
+              </a:endParaRPr>
+            </a:p>
+          </p:txBody>
+        </p:sp>
+        <p:sp>
+          <p:nvSpPr>
+            <p:cNvPr id="10" name="Rounded Rectangle 9"/>
+            <p:cNvSpPr/>
+            <p:nvPr/>
+          </p:nvSpPr>
+          <p:spPr>
+            <a:xfrm>
+              <a:off x="10820" y="4241"/>
+              <a:ext cx="3806" cy="2444"/>
+            </a:xfrm>
+            <a:prstGeom prst="roundRect">
+              <a:avLst/>
+            </a:prstGeom>
+            <a:solidFill>
+              <a:srgbClr val="BC90DE"/>
+            </a:solidFill>
+            <a:ln w="50800" cmpd="sng">
+              <a:solidFill>
+                <a:srgbClr val="7030A0"/>
+              </a:solidFill>
+              <a:prstDash val="solid"/>
+            </a:ln>
+          </p:spPr>
+          <p:style>
+            <a:lnRef idx="2">
+              <a:schemeClr val="accent1">
+                <a:shade val="50000"/>
+              </a:schemeClr>
+            </a:lnRef>
+            <a:fillRef idx="1">
+              <a:schemeClr val="accent1"/>
+            </a:fillRef>
+            <a:effectRef idx="0">
+              <a:schemeClr val="accent1"/>
+            </a:effectRef>
+            <a:fontRef idx="minor">
+              <a:schemeClr val="lt1"/>
+            </a:fontRef>
+          </p:style>
+          <p:txBody>
+            <a:bodyPr rtlCol="0" anchor="ctr"/>
+            <a:p>
+              <a:pPr algn="ctr"/>
+              <a:r>
+                <a:rPr lang="en-US" altLang="en-US" b="1">
+                  <a:solidFill>
+                    <a:srgbClr val="7030A0"/>
+                  </a:solidFill>
+                  <a:sym typeface="+mn-ea"/>
+                </a:rPr>
+                <a:t>RETRAIN ON</a:t>
+              </a:r>
+              <a:endParaRPr lang="en-US" altLang="en-US" b="1">
+                <a:solidFill>
+                  <a:srgbClr val="7030A0"/>
+                </a:solidFill>
+                <a:sym typeface="+mn-ea"/>
+              </a:endParaRPr>
+            </a:p>
+            <a:p>
+              <a:pPr algn="ctr"/>
+              <a:r>
+                <a:rPr lang="en-US" altLang="en-US" b="1">
+                  <a:solidFill>
+                    <a:srgbClr val="7030A0"/>
+                  </a:solidFill>
+                  <a:sym typeface="+mn-ea"/>
+                </a:rPr>
+                <a:t>ALL DATA</a:t>
+              </a:r>
+              <a:endParaRPr lang="en-US" altLang="en-US" b="1">
+                <a:solidFill>
+                  <a:srgbClr val="7030A0"/>
+                </a:solidFill>
+                <a:sym typeface="+mn-ea"/>
+              </a:endParaRPr>
+            </a:p>
+          </p:txBody>
+        </p:sp>
+      </p:grpSp>
+      <p:sp>
+        <p:nvSpPr>
+          <p:cNvPr id="97" name="Rounded Rectangle 96"/>
+          <p:cNvSpPr/>
+          <p:nvPr/>
+        </p:nvSpPr>
+        <p:spPr>
+          <a:xfrm rot="16200000">
+            <a:off x="-104775" y="3073400"/>
+            <a:ext cx="1756410" cy="710565"/>
+          </a:xfrm>
+          <a:prstGeom prst="roundRect">
+            <a:avLst/>
+          </a:prstGeom>
+          <a:solidFill>
+            <a:schemeClr val="bg1">
+              <a:lumMod val="75000"/>
+            </a:schemeClr>
+          </a:solidFill>
+          <a:ln w="50800" cmpd="sng">
+            <a:solidFill>
+              <a:schemeClr val="bg1">
+                <a:lumMod val="50000"/>
+              </a:schemeClr>
+            </a:solidFill>
+            <a:prstDash val="solid"/>
+          </a:ln>
+        </p:spPr>
+        <p:style>
+          <a:lnRef idx="2">
+            <a:schemeClr val="accent1">
+              <a:shade val="50000"/>
+            </a:schemeClr>
+          </a:lnRef>
+          <a:fillRef idx="1">
+            <a:schemeClr val="accent1"/>
+          </a:fillRef>
+          <a:effectRef idx="0">
+            <a:schemeClr val="accent1"/>
+          </a:effectRef>
+          <a:fontRef idx="minor">
+            <a:schemeClr val="lt1"/>
+          </a:fontRef>
+        </p:style>
+        <p:txBody>
+          <a:bodyPr rtlCol="0" anchor="ctr"/>
+          <a:p>
+            <a:pPr algn="ctr"/>
+            <a:r>
+              <a:rPr lang="en-US" altLang="en-US" b="1">
+                <a:solidFill>
+                  <a:schemeClr val="tx1">
+                    <a:lumMod val="65000"/>
+                    <a:lumOff val="35000"/>
+                  </a:schemeClr>
+                </a:solidFill>
+                <a:sym typeface="+mn-ea"/>
+              </a:rPr>
+              <a:t>ALL DATA</a:t>
+            </a:r>
+            <a:endParaRPr lang="en-US" altLang="en-US" b="1">
+              <a:solidFill>
+                <a:schemeClr val="tx1">
+                  <a:lumMod val="65000"/>
+                  <a:lumOff val="35000"/>
+                </a:schemeClr>
+              </a:solidFill>
+              <a:sym typeface="+mn-ea"/>
+            </a:endParaRPr>
+          </a:p>
+        </p:txBody>
+      </p:sp>
+      <p:sp>
+        <p:nvSpPr>
+          <p:cNvPr id="38" name="Rounded Rectangle 37"/>
+          <p:cNvSpPr/>
+          <p:nvPr/>
+        </p:nvSpPr>
+        <p:spPr>
+          <a:xfrm>
+            <a:off x="10165715" y="2415540"/>
+            <a:ext cx="1640840" cy="710565"/>
+          </a:xfrm>
+          <a:prstGeom prst="roundRect">
+            <a:avLst/>
+          </a:prstGeom>
+          <a:solidFill>
+            <a:schemeClr val="accent2">
+              <a:lumMod val="60000"/>
+              <a:lumOff val="40000"/>
+            </a:schemeClr>
+          </a:solidFill>
+          <a:ln w="50800" cmpd="sng">
+            <a:solidFill>
+              <a:schemeClr val="accent2">
+                <a:lumMod val="75000"/>
+              </a:schemeClr>
+            </a:solidFill>
+            <a:prstDash val="solid"/>
+          </a:ln>
+        </p:spPr>
+        <p:style>
+          <a:lnRef idx="2">
+            <a:schemeClr val="accent1">
+              <a:shade val="50000"/>
+            </a:schemeClr>
+          </a:lnRef>
+          <a:fillRef idx="1">
+            <a:schemeClr val="accent1"/>
+          </a:fillRef>
+          <a:effectRef idx="0">
+            <a:schemeClr val="accent1"/>
+          </a:effectRef>
+          <a:fontRef idx="minor">
+            <a:schemeClr val="lt1"/>
+          </a:fontRef>
+        </p:style>
+        <p:txBody>
+          <a:bodyPr rtlCol="0" anchor="ctr"/>
+          <a:p>
+            <a:pPr algn="ctr"/>
+            <a:r>
+              <a:rPr lang="en-US" b="1">
+                <a:solidFill>
+                  <a:schemeClr val="accent2">
+                    <a:lumMod val="75000"/>
+                  </a:schemeClr>
+                </a:solidFill>
+                <a:sym typeface="+mn-ea"/>
+              </a:rPr>
+              <a:t>MODEL</a:t>
+            </a:r>
+            <a:endParaRPr lang="en-US" b="1">
+              <a:solidFill>
+                <a:schemeClr val="accent4">
+                  <a:lumMod val="50000"/>
+                </a:schemeClr>
+              </a:solidFill>
+              <a:sym typeface="+mn-ea"/>
+            </a:endParaRPr>
+          </a:p>
+        </p:txBody>
+      </p:sp>
+      <p:sp>
+        <p:nvSpPr>
+          <p:cNvPr id="16" name="Rounded Rectangle 15"/>
+          <p:cNvSpPr/>
+          <p:nvPr/>
+        </p:nvSpPr>
+        <p:spPr>
+          <a:xfrm>
+            <a:off x="10165715" y="3491865"/>
+            <a:ext cx="1640840" cy="710565"/>
+          </a:xfrm>
+          <a:prstGeom prst="roundRect">
+            <a:avLst/>
+          </a:prstGeom>
+          <a:solidFill>
+            <a:schemeClr val="accent2">
+              <a:lumMod val="60000"/>
+              <a:lumOff val="40000"/>
+            </a:schemeClr>
+          </a:solidFill>
+          <a:ln w="50800" cmpd="sng">
+            <a:solidFill>
+              <a:schemeClr val="accent2">
+                <a:lumMod val="75000"/>
+              </a:schemeClr>
+            </a:solidFill>
+            <a:prstDash val="solid"/>
+          </a:ln>
+        </p:spPr>
+        <p:style>
+          <a:lnRef idx="2">
+            <a:schemeClr val="accent1">
+              <a:shade val="50000"/>
+            </a:schemeClr>
+          </a:lnRef>
+          <a:fillRef idx="1">
+            <a:schemeClr val="accent1"/>
+          </a:fillRef>
+          <a:effectRef idx="0">
+            <a:schemeClr val="accent1"/>
+          </a:effectRef>
+          <a:fontRef idx="minor">
+            <a:schemeClr val="lt1"/>
+          </a:fontRef>
+        </p:style>
+        <p:txBody>
+          <a:bodyPr rtlCol="0" anchor="ctr"/>
+          <a:p>
+            <a:pPr algn="ctr"/>
+            <a:r>
+              <a:rPr lang="en-US" altLang="en-US" b="1">
+                <a:solidFill>
+                  <a:schemeClr val="accent2">
+                    <a:lumMod val="75000"/>
+                  </a:schemeClr>
+                </a:solidFill>
+                <a:sym typeface="+mn-ea"/>
+              </a:rPr>
+              <a:t>PERFs</a:t>
+            </a:r>
+            <a:endParaRPr lang="en-US" altLang="en-US" b="1" i="1">
+              <a:solidFill>
+                <a:schemeClr val="accent2">
+                  <a:lumMod val="75000"/>
+                </a:schemeClr>
+              </a:solidFill>
+              <a:sym typeface="+mn-ea"/>
+            </a:endParaRPr>
+          </a:p>
+        </p:txBody>
+      </p:sp>
+    </p:spTree>
+  </p:cSld>
+  <p:clrMapOvr>
+    <a:masterClrMapping/>
+  </p:clrMapOvr>
+</p:sld>
+</file>
+
 <file path=ppt/slides/slide2.xml><?xml version="1.0" encoding="utf-8"?>
 <p:sld xmlns:a="http://schemas.openxmlformats.org/drawingml/2006/main" xmlns:r="http://schemas.openxmlformats.org/officeDocument/2006/relationships" xmlns:p="http://schemas.openxmlformats.org/presentationml/2006/main">
   <p:cSld>
@@ -5178,6 +6145,376 @@
         <p:nvPr/>
       </p:nvGrpSpPr>
       <p:grpSpPr/>
+      <p:grpSp>
+        <p:nvGrpSpPr>
+          <p:cNvPr id="6" name="Group 5"/>
+          <p:cNvGrpSpPr/>
+          <p:nvPr/>
+        </p:nvGrpSpPr>
+        <p:grpSpPr>
+          <a:xfrm>
+            <a:off x="1638300" y="1945005"/>
+            <a:ext cx="8215630" cy="2113280"/>
+            <a:chOff x="2580" y="199"/>
+            <a:chExt cx="12938" cy="3328"/>
+          </a:xfrm>
+        </p:grpSpPr>
+        <p:sp>
+          <p:nvSpPr>
+            <p:cNvPr id="5" name="Rounded Rectangle 4"/>
+            <p:cNvSpPr/>
+            <p:nvPr/>
+          </p:nvSpPr>
+          <p:spPr>
+            <a:xfrm>
+              <a:off x="13146" y="1545"/>
+              <a:ext cx="2372" cy="1982"/>
+            </a:xfrm>
+            <a:prstGeom prst="roundRect">
+              <a:avLst/>
+            </a:prstGeom>
+            <a:solidFill>
+              <a:srgbClr val="FA7C7C"/>
+            </a:solidFill>
+            <a:ln w="50800" cmpd="sng">
+              <a:solidFill>
+                <a:srgbClr val="AD4545"/>
+              </a:solidFill>
+              <a:prstDash val="solid"/>
+            </a:ln>
+          </p:spPr>
+          <p:style>
+            <a:lnRef idx="2">
+              <a:schemeClr val="accent1">
+                <a:shade val="50000"/>
+              </a:schemeClr>
+            </a:lnRef>
+            <a:fillRef idx="1">
+              <a:schemeClr val="accent1"/>
+            </a:fillRef>
+            <a:effectRef idx="0">
+              <a:schemeClr val="accent1"/>
+            </a:effectRef>
+            <a:fontRef idx="minor">
+              <a:schemeClr val="lt1"/>
+            </a:fontRef>
+          </p:style>
+          <p:txBody>
+            <a:bodyPr rtlCol="0" anchor="ctr"/>
+            <a:p>
+              <a:pPr algn="ctr"/>
+              <a:r>
+                <a:rPr lang="en-US" altLang="en-US" b="1">
+                  <a:solidFill>
+                    <a:srgbClr val="863636"/>
+                  </a:solidFill>
+                  <a:sym typeface="+mn-ea"/>
+                </a:rPr>
+                <a:t>TEST</a:t>
+              </a:r>
+              <a:endParaRPr lang="en-US" altLang="en-US" b="1">
+                <a:solidFill>
+                  <a:srgbClr val="863636"/>
+                </a:solidFill>
+                <a:sym typeface="+mn-ea"/>
+              </a:endParaRPr>
+            </a:p>
+            <a:p>
+              <a:pPr algn="ctr"/>
+              <a:r>
+                <a:rPr lang="" altLang="en-US" b="1">
+                  <a:solidFill>
+                    <a:srgbClr val="863636"/>
+                  </a:solidFill>
+                  <a:sym typeface="+mn-ea"/>
+                </a:rPr>
+                <a:t>10%</a:t>
+              </a:r>
+              <a:endParaRPr lang="" altLang="en-US" b="1">
+                <a:solidFill>
+                  <a:srgbClr val="863636"/>
+                </a:solidFill>
+                <a:sym typeface="+mn-ea"/>
+              </a:endParaRPr>
+            </a:p>
+          </p:txBody>
+        </p:sp>
+        <p:sp>
+          <p:nvSpPr>
+            <p:cNvPr id="20" name="Rounded Rectangle 19"/>
+            <p:cNvSpPr/>
+            <p:nvPr/>
+          </p:nvSpPr>
+          <p:spPr>
+            <a:xfrm>
+              <a:off x="2580" y="1545"/>
+              <a:ext cx="7077" cy="1982"/>
+            </a:xfrm>
+            <a:prstGeom prst="roundRect">
+              <a:avLst/>
+            </a:prstGeom>
+            <a:solidFill>
+              <a:schemeClr val="accent6">
+                <a:lumMod val="60000"/>
+                <a:lumOff val="40000"/>
+              </a:schemeClr>
+            </a:solidFill>
+            <a:ln w="50800" cmpd="sng">
+              <a:solidFill>
+                <a:schemeClr val="accent6">
+                  <a:lumMod val="75000"/>
+                </a:schemeClr>
+              </a:solidFill>
+              <a:prstDash val="solid"/>
+            </a:ln>
+          </p:spPr>
+          <p:style>
+            <a:lnRef idx="2">
+              <a:schemeClr val="accent1">
+                <a:shade val="50000"/>
+              </a:schemeClr>
+            </a:lnRef>
+            <a:fillRef idx="1">
+              <a:schemeClr val="accent1"/>
+            </a:fillRef>
+            <a:effectRef idx="0">
+              <a:schemeClr val="accent1"/>
+            </a:effectRef>
+            <a:fontRef idx="minor">
+              <a:schemeClr val="lt1"/>
+            </a:fontRef>
+          </p:style>
+          <p:txBody>
+            <a:bodyPr rtlCol="0" anchor="ctr"/>
+            <a:p>
+              <a:pPr algn="ctr"/>
+              <a:r>
+                <a:rPr lang="" altLang="en-US" b="1">
+                  <a:solidFill>
+                    <a:schemeClr val="accent6">
+                      <a:lumMod val="50000"/>
+                    </a:schemeClr>
+                  </a:solidFill>
+                  <a:sym typeface="+mn-ea"/>
+                </a:rPr>
+                <a:t>TRAIN</a:t>
+              </a:r>
+              <a:endParaRPr lang="" altLang="en-US" b="1">
+                <a:solidFill>
+                  <a:schemeClr val="accent6">
+                    <a:lumMod val="50000"/>
+                  </a:schemeClr>
+                </a:solidFill>
+                <a:sym typeface="+mn-ea"/>
+              </a:endParaRPr>
+            </a:p>
+            <a:p>
+              <a:pPr algn="ctr"/>
+              <a:r>
+                <a:rPr lang="" altLang="en-US" b="1">
+                  <a:solidFill>
+                    <a:schemeClr val="accent6">
+                      <a:lumMod val="50000"/>
+                    </a:schemeClr>
+                  </a:solidFill>
+                  <a:sym typeface="+mn-ea"/>
+                </a:rPr>
+                <a:t>70%</a:t>
+              </a:r>
+              <a:endParaRPr lang="" altLang="en-US" b="1">
+                <a:solidFill>
+                  <a:schemeClr val="accent6">
+                    <a:lumMod val="50000"/>
+                  </a:schemeClr>
+                </a:solidFill>
+                <a:sym typeface="+mn-ea"/>
+              </a:endParaRPr>
+            </a:p>
+          </p:txBody>
+        </p:sp>
+        <p:sp>
+          <p:nvSpPr>
+            <p:cNvPr id="15" name="Rounded Rectangle 14"/>
+            <p:cNvSpPr/>
+            <p:nvPr/>
+          </p:nvSpPr>
+          <p:spPr>
+            <a:xfrm>
+              <a:off x="9897" y="1545"/>
+              <a:ext cx="3019" cy="1982"/>
+            </a:xfrm>
+            <a:prstGeom prst="roundRect">
+              <a:avLst/>
+            </a:prstGeom>
+            <a:solidFill>
+              <a:schemeClr val="accent2">
+                <a:lumMod val="60000"/>
+                <a:lumOff val="40000"/>
+              </a:schemeClr>
+            </a:solidFill>
+            <a:ln w="50800" cmpd="sng">
+              <a:solidFill>
+                <a:schemeClr val="accent2">
+                  <a:lumMod val="75000"/>
+                </a:schemeClr>
+              </a:solidFill>
+              <a:prstDash val="solid"/>
+            </a:ln>
+          </p:spPr>
+          <p:style>
+            <a:lnRef idx="2">
+              <a:schemeClr val="accent1">
+                <a:shade val="50000"/>
+              </a:schemeClr>
+            </a:lnRef>
+            <a:fillRef idx="1">
+              <a:schemeClr val="accent1"/>
+            </a:fillRef>
+            <a:effectRef idx="0">
+              <a:schemeClr val="accent1"/>
+            </a:effectRef>
+            <a:fontRef idx="minor">
+              <a:schemeClr val="lt1"/>
+            </a:fontRef>
+          </p:style>
+          <p:txBody>
+            <a:bodyPr rtlCol="0" anchor="ctr"/>
+            <a:p>
+              <a:pPr algn="ctr"/>
+              <a:r>
+                <a:rPr lang="" altLang="en-US" b="1">
+                  <a:solidFill>
+                    <a:schemeClr val="accent2">
+                      <a:lumMod val="50000"/>
+                    </a:schemeClr>
+                  </a:solidFill>
+                  <a:sym typeface="+mn-ea"/>
+                </a:rPr>
+                <a:t>VALIDATION</a:t>
+              </a:r>
+              <a:endParaRPr lang="" altLang="en-US" b="1">
+                <a:solidFill>
+                  <a:schemeClr val="accent2">
+                    <a:lumMod val="50000"/>
+                  </a:schemeClr>
+                </a:solidFill>
+                <a:sym typeface="+mn-ea"/>
+              </a:endParaRPr>
+            </a:p>
+            <a:p>
+              <a:pPr algn="ctr"/>
+              <a:r>
+                <a:rPr lang="" altLang="en-US" b="1">
+                  <a:solidFill>
+                    <a:schemeClr val="accent2">
+                      <a:lumMod val="50000"/>
+                    </a:schemeClr>
+                  </a:solidFill>
+                  <a:sym typeface="+mn-ea"/>
+                </a:rPr>
+                <a:t>20%</a:t>
+              </a:r>
+              <a:endParaRPr lang="" altLang="en-US" b="1">
+                <a:solidFill>
+                  <a:schemeClr val="accent2">
+                    <a:lumMod val="50000"/>
+                  </a:schemeClr>
+                </a:solidFill>
+                <a:sym typeface="+mn-ea"/>
+              </a:endParaRPr>
+            </a:p>
+          </p:txBody>
+        </p:sp>
+        <p:sp>
+          <p:nvSpPr>
+            <p:cNvPr id="3" name="Rounded Rectangle 2"/>
+            <p:cNvSpPr/>
+            <p:nvPr/>
+          </p:nvSpPr>
+          <p:spPr>
+            <a:xfrm>
+              <a:off x="2580" y="199"/>
+              <a:ext cx="12937" cy="1119"/>
+            </a:xfrm>
+            <a:prstGeom prst="roundRect">
+              <a:avLst/>
+            </a:prstGeom>
+            <a:solidFill>
+              <a:schemeClr val="accent1">
+                <a:lumMod val="60000"/>
+                <a:lumOff val="40000"/>
+              </a:schemeClr>
+            </a:solidFill>
+            <a:ln w="50800" cmpd="sng">
+              <a:solidFill>
+                <a:schemeClr val="accent1">
+                  <a:lumMod val="75000"/>
+                </a:schemeClr>
+              </a:solidFill>
+              <a:prstDash val="solid"/>
+            </a:ln>
+          </p:spPr>
+          <p:style>
+            <a:lnRef idx="2">
+              <a:schemeClr val="accent1">
+                <a:shade val="50000"/>
+              </a:schemeClr>
+            </a:lnRef>
+            <a:fillRef idx="1">
+              <a:schemeClr val="accent1"/>
+            </a:fillRef>
+            <a:effectRef idx="0">
+              <a:schemeClr val="accent1"/>
+            </a:effectRef>
+            <a:fontRef idx="minor">
+              <a:schemeClr val="lt1"/>
+            </a:fontRef>
+          </p:style>
+          <p:txBody>
+            <a:bodyPr rtlCol="0" anchor="ctr"/>
+            <a:p>
+              <a:pPr algn="ctr"/>
+              <a:r>
+                <a:rPr lang="" altLang="en-US" b="1">
+                  <a:solidFill>
+                    <a:schemeClr val="accent1">
+                      <a:lumMod val="50000"/>
+                    </a:schemeClr>
+                  </a:solidFill>
+                  <a:sym typeface="+mn-ea"/>
+                </a:rPr>
+                <a:t>DATA</a:t>
+              </a:r>
+              <a:endParaRPr lang="" altLang="en-US" b="1">
+                <a:solidFill>
+                  <a:schemeClr val="accent1">
+                    <a:lumMod val="50000"/>
+                  </a:schemeClr>
+                </a:solidFill>
+                <a:sym typeface="+mn-ea"/>
+              </a:endParaRPr>
+            </a:p>
+          </p:txBody>
+        </p:sp>
+      </p:grpSp>
+    </p:spTree>
+  </p:cSld>
+  <p:clrMapOvr>
+    <a:masterClrMapping/>
+  </p:clrMapOvr>
+</p:sld>
+</file>
+
+<file path=ppt/slides/slide4.xml><?xml version="1.0" encoding="utf-8"?>
+<p:sld xmlns:a="http://schemas.openxmlformats.org/drawingml/2006/main" xmlns:r="http://schemas.openxmlformats.org/officeDocument/2006/relationships" xmlns:p="http://schemas.openxmlformats.org/presentationml/2006/main">
+  <p:cSld>
+    <p:spTree>
+      <p:nvGrpSpPr>
+        <p:cNvPr id="1" name=""/>
+        <p:cNvGrpSpPr/>
+        <p:nvPr/>
+      </p:nvGrpSpPr>
+      <p:grpSpPr/>
       <p:sp>
         <p:nvSpPr>
           <p:cNvPr id="4" name="Rounded Rectangle 3"/>
@@ -5294,7 +6631,7 @@
           <a:p>
             <a:pPr algn="ctr"/>
             <a:r>
-              <a:rPr lang="" altLang="en-US" b="1">
+              <a:rPr lang="en-US" altLang="en-US" b="1">
                 <a:solidFill>
                   <a:srgbClr val="863636"/>
                 </a:solidFill>
@@ -5302,7 +6639,7 @@
               </a:rPr>
               <a:t>TEST</a:t>
             </a:r>
-            <a:endParaRPr lang="" altLang="en-US" b="1">
+            <a:endParaRPr lang="en-US" altLang="en-US" b="1">
               <a:solidFill>
                 <a:srgbClr val="863636"/>
               </a:solidFill>
@@ -5319,7 +6656,1348 @@
 </p:sld>
 </file>
 
-<file path=ppt/slides/slide4.xml><?xml version="1.0" encoding="utf-8"?>
+<file path=ppt/slides/slide5.xml><?xml version="1.0" encoding="utf-8"?>
+<p:sld xmlns:a="http://schemas.openxmlformats.org/drawingml/2006/main" xmlns:r="http://schemas.openxmlformats.org/officeDocument/2006/relationships" xmlns:p="http://schemas.openxmlformats.org/presentationml/2006/main">
+  <p:cSld>
+    <p:spTree>
+      <p:nvGrpSpPr>
+        <p:cNvPr id="1" name=""/>
+        <p:cNvGrpSpPr/>
+        <p:nvPr/>
+      </p:nvGrpSpPr>
+      <p:grpSpPr/>
+      <p:grpSp>
+        <p:nvGrpSpPr>
+          <p:cNvPr id="44" name="Group 43"/>
+          <p:cNvGrpSpPr/>
+          <p:nvPr/>
+        </p:nvGrpSpPr>
+        <p:grpSpPr>
+          <a:xfrm rot="0">
+            <a:off x="1034415" y="2022475"/>
+            <a:ext cx="6193155" cy="4203700"/>
+            <a:chOff x="3938" y="938"/>
+            <a:chExt cx="9351" cy="7403"/>
+          </a:xfrm>
+        </p:grpSpPr>
+        <p:grpSp>
+          <p:nvGrpSpPr>
+            <p:cNvPr id="39" name="Group 38"/>
+            <p:cNvGrpSpPr/>
+            <p:nvPr/>
+          </p:nvGrpSpPr>
+          <p:grpSpPr>
+            <a:xfrm>
+              <a:off x="3939" y="2613"/>
+              <a:ext cx="9350" cy="5728"/>
+              <a:chOff x="1261" y="1467"/>
+              <a:chExt cx="12727" cy="7964"/>
+            </a:xfrm>
+          </p:grpSpPr>
+          <p:grpSp>
+            <p:nvGrpSpPr>
+              <p:cNvPr id="17" name="Group 16"/>
+              <p:cNvGrpSpPr/>
+              <p:nvPr/>
+            </p:nvGrpSpPr>
+            <p:grpSpPr>
+              <a:xfrm>
+                <a:off x="1261" y="1467"/>
+                <a:ext cx="12727" cy="1740"/>
+                <a:chOff x="1261" y="1467"/>
+                <a:chExt cx="12727" cy="1740"/>
+              </a:xfrm>
+            </p:grpSpPr>
+            <p:sp>
+              <p:nvSpPr>
+                <p:cNvPr id="8" name="Rounded Rectangle 7"/>
+                <p:cNvSpPr/>
+                <p:nvPr/>
+              </p:nvSpPr>
+              <p:spPr>
+                <a:xfrm>
+                  <a:off x="1261" y="1467"/>
+                  <a:ext cx="2898" cy="1740"/>
+                </a:xfrm>
+                <a:prstGeom prst="roundRect">
+                  <a:avLst/>
+                </a:prstGeom>
+                <a:solidFill>
+                  <a:schemeClr val="accent6">
+                    <a:lumMod val="60000"/>
+                    <a:lumOff val="40000"/>
+                  </a:schemeClr>
+                </a:solidFill>
+                <a:ln w="50800" cmpd="sng">
+                  <a:solidFill>
+                    <a:schemeClr val="accent6">
+                      <a:lumMod val="75000"/>
+                    </a:schemeClr>
+                  </a:solidFill>
+                  <a:prstDash val="solid"/>
+                </a:ln>
+              </p:spPr>
+              <p:style>
+                <a:lnRef idx="2">
+                  <a:schemeClr val="accent1">
+                    <a:shade val="50000"/>
+                  </a:schemeClr>
+                </a:lnRef>
+                <a:fillRef idx="1">
+                  <a:schemeClr val="accent1"/>
+                </a:fillRef>
+                <a:effectRef idx="0">
+                  <a:schemeClr val="accent1"/>
+                </a:effectRef>
+                <a:fontRef idx="minor">
+                  <a:schemeClr val="lt1"/>
+                </a:fontRef>
+              </p:style>
+              <p:txBody>
+                <a:bodyPr rtlCol="0" anchor="ctr"/>
+                <a:p>
+                  <a:pPr algn="ctr"/>
+                  <a:endParaRPr lang="en-US" altLang="en-US" i="1">
+                    <a:solidFill>
+                      <a:schemeClr val="accent1">
+                        <a:lumMod val="50000"/>
+                      </a:schemeClr>
+                    </a:solidFill>
+                    <a:sym typeface="+mn-ea"/>
+                  </a:endParaRPr>
+                </a:p>
+              </p:txBody>
+            </p:sp>
+            <p:sp>
+              <p:nvSpPr>
+                <p:cNvPr id="2" name="Rounded Rectangle 1"/>
+                <p:cNvSpPr/>
+                <p:nvPr/>
+              </p:nvSpPr>
+              <p:spPr>
+                <a:xfrm>
+                  <a:off x="4530" y="1467"/>
+                  <a:ext cx="2898" cy="1740"/>
+                </a:xfrm>
+                <a:prstGeom prst="roundRect">
+                  <a:avLst/>
+                </a:prstGeom>
+                <a:solidFill>
+                  <a:schemeClr val="accent6">
+                    <a:lumMod val="60000"/>
+                    <a:lumOff val="40000"/>
+                  </a:schemeClr>
+                </a:solidFill>
+                <a:ln w="50800" cmpd="sng">
+                  <a:solidFill>
+                    <a:schemeClr val="accent6">
+                      <a:lumMod val="75000"/>
+                    </a:schemeClr>
+                  </a:solidFill>
+                  <a:prstDash val="solid"/>
+                </a:ln>
+              </p:spPr>
+              <p:style>
+                <a:lnRef idx="2">
+                  <a:schemeClr val="accent1">
+                    <a:shade val="50000"/>
+                  </a:schemeClr>
+                </a:lnRef>
+                <a:fillRef idx="1">
+                  <a:schemeClr val="accent1"/>
+                </a:fillRef>
+                <a:effectRef idx="0">
+                  <a:schemeClr val="accent1"/>
+                </a:effectRef>
+                <a:fontRef idx="minor">
+                  <a:schemeClr val="lt1"/>
+                </a:fontRef>
+              </p:style>
+              <p:txBody>
+                <a:bodyPr rtlCol="0" anchor="ctr"/>
+                <a:p>
+                  <a:pPr algn="ctr"/>
+                  <a:endParaRPr lang="en-US" altLang="en-US" i="1">
+                    <a:solidFill>
+                      <a:schemeClr val="accent1">
+                        <a:lumMod val="50000"/>
+                      </a:schemeClr>
+                    </a:solidFill>
+                    <a:sym typeface="+mn-ea"/>
+                  </a:endParaRPr>
+                </a:p>
+              </p:txBody>
+            </p:sp>
+            <p:sp>
+              <p:nvSpPr>
+                <p:cNvPr id="3" name="Rounded Rectangle 2"/>
+                <p:cNvSpPr/>
+                <p:nvPr/>
+              </p:nvSpPr>
+              <p:spPr>
+                <a:xfrm>
+                  <a:off x="7800" y="1467"/>
+                  <a:ext cx="2898" cy="1740"/>
+                </a:xfrm>
+                <a:prstGeom prst="roundRect">
+                  <a:avLst/>
+                </a:prstGeom>
+                <a:solidFill>
+                  <a:schemeClr val="accent6">
+                    <a:lumMod val="60000"/>
+                    <a:lumOff val="40000"/>
+                  </a:schemeClr>
+                </a:solidFill>
+                <a:ln w="50800" cmpd="sng">
+                  <a:solidFill>
+                    <a:schemeClr val="accent6">
+                      <a:lumMod val="75000"/>
+                    </a:schemeClr>
+                  </a:solidFill>
+                  <a:prstDash val="solid"/>
+                </a:ln>
+              </p:spPr>
+              <p:style>
+                <a:lnRef idx="2">
+                  <a:schemeClr val="accent1">
+                    <a:shade val="50000"/>
+                  </a:schemeClr>
+                </a:lnRef>
+                <a:fillRef idx="1">
+                  <a:schemeClr val="accent1"/>
+                </a:fillRef>
+                <a:effectRef idx="0">
+                  <a:schemeClr val="accent1"/>
+                </a:effectRef>
+                <a:fontRef idx="minor">
+                  <a:schemeClr val="lt1"/>
+                </a:fontRef>
+              </p:style>
+              <p:txBody>
+                <a:bodyPr rtlCol="0" anchor="ctr"/>
+                <a:p>
+                  <a:pPr algn="ctr"/>
+                  <a:endParaRPr lang="en-US" altLang="en-US" i="1">
+                    <a:solidFill>
+                      <a:schemeClr val="accent1">
+                        <a:lumMod val="50000"/>
+                      </a:schemeClr>
+                    </a:solidFill>
+                    <a:sym typeface="+mn-ea"/>
+                  </a:endParaRPr>
+                </a:p>
+              </p:txBody>
+            </p:sp>
+            <p:sp>
+              <p:nvSpPr>
+                <p:cNvPr id="15" name="Rounded Rectangle 14"/>
+                <p:cNvSpPr/>
+                <p:nvPr/>
+              </p:nvSpPr>
+              <p:spPr>
+                <a:xfrm>
+                  <a:off x="11090" y="1467"/>
+                  <a:ext cx="2898" cy="1740"/>
+                </a:xfrm>
+                <a:prstGeom prst="roundRect">
+                  <a:avLst/>
+                </a:prstGeom>
+                <a:solidFill>
+                  <a:schemeClr val="accent2">
+                    <a:lumMod val="60000"/>
+                    <a:lumOff val="40000"/>
+                  </a:schemeClr>
+                </a:solidFill>
+                <a:ln w="50800" cmpd="sng">
+                  <a:solidFill>
+                    <a:schemeClr val="accent2">
+                      <a:lumMod val="75000"/>
+                    </a:schemeClr>
+                  </a:solidFill>
+                  <a:prstDash val="solid"/>
+                </a:ln>
+              </p:spPr>
+              <p:style>
+                <a:lnRef idx="2">
+                  <a:schemeClr val="accent1">
+                    <a:shade val="50000"/>
+                  </a:schemeClr>
+                </a:lnRef>
+                <a:fillRef idx="1">
+                  <a:schemeClr val="accent1"/>
+                </a:fillRef>
+                <a:effectRef idx="0">
+                  <a:schemeClr val="accent1"/>
+                </a:effectRef>
+                <a:fontRef idx="minor">
+                  <a:schemeClr val="lt1"/>
+                </a:fontRef>
+              </p:style>
+              <p:txBody>
+                <a:bodyPr rtlCol="0" anchor="ctr"/>
+                <a:p>
+                  <a:pPr algn="ctr"/>
+                  <a:endParaRPr lang="en-US" altLang="en-US" i="1">
+                    <a:solidFill>
+                      <a:schemeClr val="accent1">
+                        <a:lumMod val="50000"/>
+                      </a:schemeClr>
+                    </a:solidFill>
+                    <a:sym typeface="+mn-ea"/>
+                  </a:endParaRPr>
+                </a:p>
+              </p:txBody>
+            </p:sp>
+          </p:grpSp>
+          <p:grpSp>
+            <p:nvGrpSpPr>
+              <p:cNvPr id="18" name="Group 17"/>
+              <p:cNvGrpSpPr/>
+              <p:nvPr/>
+            </p:nvGrpSpPr>
+            <p:grpSpPr>
+              <a:xfrm>
+                <a:off x="1261" y="3541"/>
+                <a:ext cx="12727" cy="1740"/>
+                <a:chOff x="1261" y="1467"/>
+                <a:chExt cx="12727" cy="1740"/>
+              </a:xfrm>
+            </p:grpSpPr>
+            <p:sp>
+              <p:nvSpPr>
+                <p:cNvPr id="19" name="Rounded Rectangle 18"/>
+                <p:cNvSpPr/>
+                <p:nvPr/>
+              </p:nvSpPr>
+              <p:spPr>
+                <a:xfrm>
+                  <a:off x="1261" y="1467"/>
+                  <a:ext cx="2898" cy="1740"/>
+                </a:xfrm>
+                <a:prstGeom prst="roundRect">
+                  <a:avLst/>
+                </a:prstGeom>
+                <a:solidFill>
+                  <a:schemeClr val="accent6">
+                    <a:lumMod val="60000"/>
+                    <a:lumOff val="40000"/>
+                  </a:schemeClr>
+                </a:solidFill>
+                <a:ln w="50800" cmpd="sng">
+                  <a:solidFill>
+                    <a:schemeClr val="accent6">
+                      <a:lumMod val="75000"/>
+                    </a:schemeClr>
+                  </a:solidFill>
+                  <a:prstDash val="solid"/>
+                </a:ln>
+              </p:spPr>
+              <p:style>
+                <a:lnRef idx="2">
+                  <a:schemeClr val="accent1">
+                    <a:shade val="50000"/>
+                  </a:schemeClr>
+                </a:lnRef>
+                <a:fillRef idx="1">
+                  <a:schemeClr val="accent1"/>
+                </a:fillRef>
+                <a:effectRef idx="0">
+                  <a:schemeClr val="accent1"/>
+                </a:effectRef>
+                <a:fontRef idx="minor">
+                  <a:schemeClr val="lt1"/>
+                </a:fontRef>
+              </p:style>
+              <p:txBody>
+                <a:bodyPr rtlCol="0" anchor="ctr"/>
+                <a:p>
+                  <a:pPr algn="ctr"/>
+                  <a:endParaRPr lang="en-US" altLang="en-US" i="1">
+                    <a:solidFill>
+                      <a:schemeClr val="accent1">
+                        <a:lumMod val="50000"/>
+                      </a:schemeClr>
+                    </a:solidFill>
+                    <a:sym typeface="+mn-ea"/>
+                  </a:endParaRPr>
+                </a:p>
+              </p:txBody>
+            </p:sp>
+            <p:sp>
+              <p:nvSpPr>
+                <p:cNvPr id="20" name="Rounded Rectangle 19"/>
+                <p:cNvSpPr/>
+                <p:nvPr/>
+              </p:nvSpPr>
+              <p:spPr>
+                <a:xfrm>
+                  <a:off x="4530" y="1467"/>
+                  <a:ext cx="2898" cy="1740"/>
+                </a:xfrm>
+                <a:prstGeom prst="roundRect">
+                  <a:avLst/>
+                </a:prstGeom>
+                <a:solidFill>
+                  <a:schemeClr val="accent6">
+                    <a:lumMod val="60000"/>
+                    <a:lumOff val="40000"/>
+                  </a:schemeClr>
+                </a:solidFill>
+                <a:ln w="50800" cmpd="sng">
+                  <a:solidFill>
+                    <a:schemeClr val="accent6">
+                      <a:lumMod val="75000"/>
+                    </a:schemeClr>
+                  </a:solidFill>
+                  <a:prstDash val="solid"/>
+                </a:ln>
+              </p:spPr>
+              <p:style>
+                <a:lnRef idx="2">
+                  <a:schemeClr val="accent1">
+                    <a:shade val="50000"/>
+                  </a:schemeClr>
+                </a:lnRef>
+                <a:fillRef idx="1">
+                  <a:schemeClr val="accent1"/>
+                </a:fillRef>
+                <a:effectRef idx="0">
+                  <a:schemeClr val="accent1"/>
+                </a:effectRef>
+                <a:fontRef idx="minor">
+                  <a:schemeClr val="lt1"/>
+                </a:fontRef>
+              </p:style>
+              <p:txBody>
+                <a:bodyPr rtlCol="0" anchor="ctr"/>
+                <a:p>
+                  <a:pPr algn="ctr"/>
+                  <a:endParaRPr lang="en-US" altLang="en-US" i="1">
+                    <a:solidFill>
+                      <a:schemeClr val="accent1">
+                        <a:lumMod val="50000"/>
+                      </a:schemeClr>
+                    </a:solidFill>
+                    <a:sym typeface="+mn-ea"/>
+                  </a:endParaRPr>
+                </a:p>
+              </p:txBody>
+            </p:sp>
+            <p:sp>
+              <p:nvSpPr>
+                <p:cNvPr id="22" name="Rounded Rectangle 21"/>
+                <p:cNvSpPr/>
+                <p:nvPr/>
+              </p:nvSpPr>
+              <p:spPr>
+                <a:xfrm>
+                  <a:off x="11090" y="1467"/>
+                  <a:ext cx="2898" cy="1740"/>
+                </a:xfrm>
+                <a:prstGeom prst="roundRect">
+                  <a:avLst/>
+                </a:prstGeom>
+                <a:solidFill>
+                  <a:schemeClr val="accent6">
+                    <a:lumMod val="60000"/>
+                    <a:lumOff val="40000"/>
+                  </a:schemeClr>
+                </a:solidFill>
+                <a:ln w="50800" cmpd="sng">
+                  <a:solidFill>
+                    <a:schemeClr val="accent6">
+                      <a:lumMod val="75000"/>
+                    </a:schemeClr>
+                  </a:solidFill>
+                  <a:prstDash val="solid"/>
+                </a:ln>
+              </p:spPr>
+              <p:style>
+                <a:lnRef idx="2">
+                  <a:schemeClr val="accent1">
+                    <a:shade val="50000"/>
+                  </a:schemeClr>
+                </a:lnRef>
+                <a:fillRef idx="1">
+                  <a:schemeClr val="accent1"/>
+                </a:fillRef>
+                <a:effectRef idx="0">
+                  <a:schemeClr val="accent1"/>
+                </a:effectRef>
+                <a:fontRef idx="minor">
+                  <a:schemeClr val="lt1"/>
+                </a:fontRef>
+              </p:style>
+              <p:txBody>
+                <a:bodyPr rtlCol="0" anchor="ctr"/>
+                <a:p>
+                  <a:pPr algn="ctr"/>
+                  <a:endParaRPr lang="en-US" altLang="en-US" i="1">
+                    <a:solidFill>
+                      <a:schemeClr val="accent1">
+                        <a:lumMod val="50000"/>
+                      </a:schemeClr>
+                    </a:solidFill>
+                    <a:sym typeface="+mn-ea"/>
+                  </a:endParaRPr>
+                </a:p>
+              </p:txBody>
+            </p:sp>
+          </p:grpSp>
+          <p:grpSp>
+            <p:nvGrpSpPr>
+              <p:cNvPr id="24" name="Group 23"/>
+              <p:cNvGrpSpPr/>
+              <p:nvPr/>
+            </p:nvGrpSpPr>
+            <p:grpSpPr>
+              <a:xfrm>
+                <a:off x="1261" y="5616"/>
+                <a:ext cx="12727" cy="1740"/>
+                <a:chOff x="1261" y="1467"/>
+                <a:chExt cx="12727" cy="1740"/>
+              </a:xfrm>
+            </p:grpSpPr>
+            <p:sp>
+              <p:nvSpPr>
+                <p:cNvPr id="25" name="Rounded Rectangle 24"/>
+                <p:cNvSpPr/>
+                <p:nvPr/>
+              </p:nvSpPr>
+              <p:spPr>
+                <a:xfrm>
+                  <a:off x="1261" y="1467"/>
+                  <a:ext cx="2898" cy="1740"/>
+                </a:xfrm>
+                <a:prstGeom prst="roundRect">
+                  <a:avLst/>
+                </a:prstGeom>
+                <a:solidFill>
+                  <a:schemeClr val="accent6">
+                    <a:lumMod val="60000"/>
+                    <a:lumOff val="40000"/>
+                  </a:schemeClr>
+                </a:solidFill>
+                <a:ln w="50800" cmpd="sng">
+                  <a:solidFill>
+                    <a:schemeClr val="accent6">
+                      <a:lumMod val="75000"/>
+                    </a:schemeClr>
+                  </a:solidFill>
+                  <a:prstDash val="solid"/>
+                </a:ln>
+              </p:spPr>
+              <p:style>
+                <a:lnRef idx="2">
+                  <a:schemeClr val="accent1">
+                    <a:shade val="50000"/>
+                  </a:schemeClr>
+                </a:lnRef>
+                <a:fillRef idx="1">
+                  <a:schemeClr val="accent1"/>
+                </a:fillRef>
+                <a:effectRef idx="0">
+                  <a:schemeClr val="accent1"/>
+                </a:effectRef>
+                <a:fontRef idx="minor">
+                  <a:schemeClr val="lt1"/>
+                </a:fontRef>
+              </p:style>
+              <p:txBody>
+                <a:bodyPr rtlCol="0" anchor="ctr"/>
+                <a:p>
+                  <a:pPr algn="ctr"/>
+                  <a:endParaRPr lang="en-US" altLang="en-US" i="1">
+                    <a:solidFill>
+                      <a:schemeClr val="accent1">
+                        <a:lumMod val="50000"/>
+                      </a:schemeClr>
+                    </a:solidFill>
+                    <a:sym typeface="+mn-ea"/>
+                  </a:endParaRPr>
+                </a:p>
+              </p:txBody>
+            </p:sp>
+            <p:sp>
+              <p:nvSpPr>
+                <p:cNvPr id="27" name="Rounded Rectangle 26"/>
+                <p:cNvSpPr/>
+                <p:nvPr/>
+              </p:nvSpPr>
+              <p:spPr>
+                <a:xfrm>
+                  <a:off x="7800" y="1467"/>
+                  <a:ext cx="2898" cy="1740"/>
+                </a:xfrm>
+                <a:prstGeom prst="roundRect">
+                  <a:avLst/>
+                </a:prstGeom>
+                <a:solidFill>
+                  <a:schemeClr val="accent6">
+                    <a:lumMod val="60000"/>
+                    <a:lumOff val="40000"/>
+                  </a:schemeClr>
+                </a:solidFill>
+                <a:ln w="50800" cmpd="sng">
+                  <a:solidFill>
+                    <a:schemeClr val="accent6">
+                      <a:lumMod val="75000"/>
+                    </a:schemeClr>
+                  </a:solidFill>
+                  <a:prstDash val="solid"/>
+                </a:ln>
+              </p:spPr>
+              <p:style>
+                <a:lnRef idx="2">
+                  <a:schemeClr val="accent1">
+                    <a:shade val="50000"/>
+                  </a:schemeClr>
+                </a:lnRef>
+                <a:fillRef idx="1">
+                  <a:schemeClr val="accent1"/>
+                </a:fillRef>
+                <a:effectRef idx="0">
+                  <a:schemeClr val="accent1"/>
+                </a:effectRef>
+                <a:fontRef idx="minor">
+                  <a:schemeClr val="lt1"/>
+                </a:fontRef>
+              </p:style>
+              <p:txBody>
+                <a:bodyPr rtlCol="0" anchor="ctr"/>
+                <a:p>
+                  <a:pPr algn="ctr"/>
+                  <a:endParaRPr lang="en-US" altLang="en-US" i="1">
+                    <a:solidFill>
+                      <a:schemeClr val="accent1">
+                        <a:lumMod val="50000"/>
+                      </a:schemeClr>
+                    </a:solidFill>
+                    <a:sym typeface="+mn-ea"/>
+                  </a:endParaRPr>
+                </a:p>
+              </p:txBody>
+            </p:sp>
+            <p:sp>
+              <p:nvSpPr>
+                <p:cNvPr id="28" name="Rounded Rectangle 27"/>
+                <p:cNvSpPr/>
+                <p:nvPr/>
+              </p:nvSpPr>
+              <p:spPr>
+                <a:xfrm>
+                  <a:off x="11090" y="1467"/>
+                  <a:ext cx="2898" cy="1740"/>
+                </a:xfrm>
+                <a:prstGeom prst="roundRect">
+                  <a:avLst/>
+                </a:prstGeom>
+                <a:solidFill>
+                  <a:schemeClr val="accent6">
+                    <a:lumMod val="60000"/>
+                    <a:lumOff val="40000"/>
+                  </a:schemeClr>
+                </a:solidFill>
+                <a:ln w="50800" cmpd="sng">
+                  <a:solidFill>
+                    <a:schemeClr val="accent6">
+                      <a:lumMod val="75000"/>
+                    </a:schemeClr>
+                  </a:solidFill>
+                  <a:prstDash val="solid"/>
+                </a:ln>
+              </p:spPr>
+              <p:style>
+                <a:lnRef idx="2">
+                  <a:schemeClr val="accent1">
+                    <a:shade val="50000"/>
+                  </a:schemeClr>
+                </a:lnRef>
+                <a:fillRef idx="1">
+                  <a:schemeClr val="accent1"/>
+                </a:fillRef>
+                <a:effectRef idx="0">
+                  <a:schemeClr val="accent1"/>
+                </a:effectRef>
+                <a:fontRef idx="minor">
+                  <a:schemeClr val="lt1"/>
+                </a:fontRef>
+              </p:style>
+              <p:txBody>
+                <a:bodyPr rtlCol="0" anchor="ctr"/>
+                <a:p>
+                  <a:pPr algn="ctr"/>
+                  <a:endParaRPr lang="en-US" altLang="en-US" i="1">
+                    <a:solidFill>
+                      <a:schemeClr val="accent1">
+                        <a:lumMod val="50000"/>
+                      </a:schemeClr>
+                    </a:solidFill>
+                    <a:sym typeface="+mn-ea"/>
+                  </a:endParaRPr>
+                </a:p>
+              </p:txBody>
+            </p:sp>
+          </p:grpSp>
+          <p:grpSp>
+            <p:nvGrpSpPr>
+              <p:cNvPr id="30" name="Group 29"/>
+              <p:cNvGrpSpPr/>
+              <p:nvPr/>
+            </p:nvGrpSpPr>
+            <p:grpSpPr>
+              <a:xfrm>
+                <a:off x="4530" y="7691"/>
+                <a:ext cx="9458" cy="1740"/>
+                <a:chOff x="4530" y="1467"/>
+                <a:chExt cx="9458" cy="1740"/>
+              </a:xfrm>
+            </p:grpSpPr>
+            <p:sp>
+              <p:nvSpPr>
+                <p:cNvPr id="32" name="Rounded Rectangle 31"/>
+                <p:cNvSpPr/>
+                <p:nvPr/>
+              </p:nvSpPr>
+              <p:spPr>
+                <a:xfrm>
+                  <a:off x="4530" y="1467"/>
+                  <a:ext cx="2898" cy="1740"/>
+                </a:xfrm>
+                <a:prstGeom prst="roundRect">
+                  <a:avLst/>
+                </a:prstGeom>
+                <a:solidFill>
+                  <a:schemeClr val="accent6">
+                    <a:lumMod val="60000"/>
+                    <a:lumOff val="40000"/>
+                  </a:schemeClr>
+                </a:solidFill>
+                <a:ln w="50800" cmpd="sng">
+                  <a:solidFill>
+                    <a:schemeClr val="accent6">
+                      <a:lumMod val="75000"/>
+                    </a:schemeClr>
+                  </a:solidFill>
+                  <a:prstDash val="solid"/>
+                </a:ln>
+              </p:spPr>
+              <p:style>
+                <a:lnRef idx="2">
+                  <a:schemeClr val="accent1">
+                    <a:shade val="50000"/>
+                  </a:schemeClr>
+                </a:lnRef>
+                <a:fillRef idx="1">
+                  <a:schemeClr val="accent1"/>
+                </a:fillRef>
+                <a:effectRef idx="0">
+                  <a:schemeClr val="accent1"/>
+                </a:effectRef>
+                <a:fontRef idx="minor">
+                  <a:schemeClr val="lt1"/>
+                </a:fontRef>
+              </p:style>
+              <p:txBody>
+                <a:bodyPr rtlCol="0" anchor="ctr"/>
+                <a:p>
+                  <a:pPr algn="ctr"/>
+                  <a:endParaRPr lang="en-US" altLang="en-US" i="1">
+                    <a:solidFill>
+                      <a:schemeClr val="accent1">
+                        <a:lumMod val="50000"/>
+                      </a:schemeClr>
+                    </a:solidFill>
+                    <a:sym typeface="+mn-ea"/>
+                  </a:endParaRPr>
+                </a:p>
+              </p:txBody>
+            </p:sp>
+            <p:sp>
+              <p:nvSpPr>
+                <p:cNvPr id="33" name="Rounded Rectangle 32"/>
+                <p:cNvSpPr/>
+                <p:nvPr/>
+              </p:nvSpPr>
+              <p:spPr>
+                <a:xfrm>
+                  <a:off x="7800" y="1467"/>
+                  <a:ext cx="2898" cy="1740"/>
+                </a:xfrm>
+                <a:prstGeom prst="roundRect">
+                  <a:avLst/>
+                </a:prstGeom>
+                <a:solidFill>
+                  <a:schemeClr val="accent6">
+                    <a:lumMod val="60000"/>
+                    <a:lumOff val="40000"/>
+                  </a:schemeClr>
+                </a:solidFill>
+                <a:ln w="50800" cmpd="sng">
+                  <a:solidFill>
+                    <a:schemeClr val="accent6">
+                      <a:lumMod val="75000"/>
+                    </a:schemeClr>
+                  </a:solidFill>
+                  <a:prstDash val="solid"/>
+                </a:ln>
+              </p:spPr>
+              <p:style>
+                <a:lnRef idx="2">
+                  <a:schemeClr val="accent1">
+                    <a:shade val="50000"/>
+                  </a:schemeClr>
+                </a:lnRef>
+                <a:fillRef idx="1">
+                  <a:schemeClr val="accent1"/>
+                </a:fillRef>
+                <a:effectRef idx="0">
+                  <a:schemeClr val="accent1"/>
+                </a:effectRef>
+                <a:fontRef idx="minor">
+                  <a:schemeClr val="lt1"/>
+                </a:fontRef>
+              </p:style>
+              <p:txBody>
+                <a:bodyPr rtlCol="0" anchor="ctr"/>
+                <a:p>
+                  <a:pPr algn="ctr"/>
+                  <a:endParaRPr lang="en-US" altLang="en-US" i="1">
+                    <a:solidFill>
+                      <a:schemeClr val="accent1">
+                        <a:lumMod val="50000"/>
+                      </a:schemeClr>
+                    </a:solidFill>
+                    <a:sym typeface="+mn-ea"/>
+                  </a:endParaRPr>
+                </a:p>
+              </p:txBody>
+            </p:sp>
+            <p:sp>
+              <p:nvSpPr>
+                <p:cNvPr id="34" name="Rounded Rectangle 33"/>
+                <p:cNvSpPr/>
+                <p:nvPr/>
+              </p:nvSpPr>
+              <p:spPr>
+                <a:xfrm>
+                  <a:off x="11090" y="1467"/>
+                  <a:ext cx="2898" cy="1740"/>
+                </a:xfrm>
+                <a:prstGeom prst="roundRect">
+                  <a:avLst/>
+                </a:prstGeom>
+                <a:solidFill>
+                  <a:schemeClr val="accent6">
+                    <a:lumMod val="60000"/>
+                    <a:lumOff val="40000"/>
+                  </a:schemeClr>
+                </a:solidFill>
+                <a:ln w="50800" cmpd="sng">
+                  <a:solidFill>
+                    <a:schemeClr val="accent6">
+                      <a:lumMod val="75000"/>
+                    </a:schemeClr>
+                  </a:solidFill>
+                  <a:prstDash val="solid"/>
+                </a:ln>
+              </p:spPr>
+              <p:style>
+                <a:lnRef idx="2">
+                  <a:schemeClr val="accent1">
+                    <a:shade val="50000"/>
+                  </a:schemeClr>
+                </a:lnRef>
+                <a:fillRef idx="1">
+                  <a:schemeClr val="accent1"/>
+                </a:fillRef>
+                <a:effectRef idx="0">
+                  <a:schemeClr val="accent1"/>
+                </a:effectRef>
+                <a:fontRef idx="minor">
+                  <a:schemeClr val="lt1"/>
+                </a:fontRef>
+              </p:style>
+              <p:txBody>
+                <a:bodyPr rtlCol="0" anchor="ctr"/>
+                <a:p>
+                  <a:pPr algn="ctr"/>
+                  <a:endParaRPr lang="en-US" altLang="en-US" i="1">
+                    <a:solidFill>
+                      <a:schemeClr val="accent1">
+                        <a:lumMod val="50000"/>
+                      </a:schemeClr>
+                    </a:solidFill>
+                    <a:sym typeface="+mn-ea"/>
+                  </a:endParaRPr>
+                </a:p>
+              </p:txBody>
+            </p:sp>
+          </p:grpSp>
+          <p:sp>
+            <p:nvSpPr>
+              <p:cNvPr id="36" name="Rounded Rectangle 35"/>
+              <p:cNvSpPr/>
+              <p:nvPr/>
+            </p:nvSpPr>
+            <p:spPr>
+              <a:xfrm>
+                <a:off x="7800" y="3541"/>
+                <a:ext cx="2898" cy="1740"/>
+              </a:xfrm>
+              <a:prstGeom prst="roundRect">
+                <a:avLst/>
+              </a:prstGeom>
+              <a:solidFill>
+                <a:schemeClr val="accent2">
+                  <a:lumMod val="60000"/>
+                  <a:lumOff val="40000"/>
+                </a:schemeClr>
+              </a:solidFill>
+              <a:ln w="50800" cmpd="sng">
+                <a:solidFill>
+                  <a:schemeClr val="accent2">
+                    <a:lumMod val="75000"/>
+                  </a:schemeClr>
+                </a:solidFill>
+                <a:prstDash val="solid"/>
+              </a:ln>
+            </p:spPr>
+            <p:style>
+              <a:lnRef idx="2">
+                <a:schemeClr val="accent1">
+                  <a:shade val="50000"/>
+                </a:schemeClr>
+              </a:lnRef>
+              <a:fillRef idx="1">
+                <a:schemeClr val="accent1"/>
+              </a:fillRef>
+              <a:effectRef idx="0">
+                <a:schemeClr val="accent1"/>
+              </a:effectRef>
+              <a:fontRef idx="minor">
+                <a:schemeClr val="lt1"/>
+              </a:fontRef>
+            </p:style>
+            <p:txBody>
+              <a:bodyPr rtlCol="0" anchor="ctr"/>
+              <a:p>
+                <a:pPr algn="ctr"/>
+                <a:endParaRPr lang="en-US" altLang="en-US" i="1">
+                  <a:solidFill>
+                    <a:schemeClr val="accent1">
+                      <a:lumMod val="50000"/>
+                    </a:schemeClr>
+                  </a:solidFill>
+                  <a:sym typeface="+mn-ea"/>
+                </a:endParaRPr>
+              </a:p>
+            </p:txBody>
+          </p:sp>
+          <p:sp>
+            <p:nvSpPr>
+              <p:cNvPr id="37" name="Rounded Rectangle 36"/>
+              <p:cNvSpPr/>
+              <p:nvPr/>
+            </p:nvSpPr>
+            <p:spPr>
+              <a:xfrm>
+                <a:off x="4530" y="5616"/>
+                <a:ext cx="2898" cy="1740"/>
+              </a:xfrm>
+              <a:prstGeom prst="roundRect">
+                <a:avLst/>
+              </a:prstGeom>
+              <a:solidFill>
+                <a:schemeClr val="accent2">
+                  <a:lumMod val="60000"/>
+                  <a:lumOff val="40000"/>
+                </a:schemeClr>
+              </a:solidFill>
+              <a:ln w="50800" cmpd="sng">
+                <a:solidFill>
+                  <a:schemeClr val="accent2">
+                    <a:lumMod val="75000"/>
+                  </a:schemeClr>
+                </a:solidFill>
+                <a:prstDash val="solid"/>
+              </a:ln>
+            </p:spPr>
+            <p:style>
+              <a:lnRef idx="2">
+                <a:schemeClr val="accent1">
+                  <a:shade val="50000"/>
+                </a:schemeClr>
+              </a:lnRef>
+              <a:fillRef idx="1">
+                <a:schemeClr val="accent1"/>
+              </a:fillRef>
+              <a:effectRef idx="0">
+                <a:schemeClr val="accent1"/>
+              </a:effectRef>
+              <a:fontRef idx="minor">
+                <a:schemeClr val="lt1"/>
+              </a:fontRef>
+            </p:style>
+            <p:txBody>
+              <a:bodyPr rtlCol="0" anchor="ctr"/>
+              <a:p>
+                <a:pPr algn="ctr"/>
+                <a:endParaRPr lang="en-US" altLang="en-US" i="1">
+                  <a:solidFill>
+                    <a:schemeClr val="accent1">
+                      <a:lumMod val="50000"/>
+                    </a:schemeClr>
+                  </a:solidFill>
+                  <a:sym typeface="+mn-ea"/>
+                </a:endParaRPr>
+              </a:p>
+            </p:txBody>
+          </p:sp>
+          <p:sp>
+            <p:nvSpPr>
+              <p:cNvPr id="38" name="Rounded Rectangle 37"/>
+              <p:cNvSpPr/>
+              <p:nvPr/>
+            </p:nvSpPr>
+            <p:spPr>
+              <a:xfrm>
+                <a:off x="1261" y="7691"/>
+                <a:ext cx="2898" cy="1740"/>
+              </a:xfrm>
+              <a:prstGeom prst="roundRect">
+                <a:avLst/>
+              </a:prstGeom>
+              <a:solidFill>
+                <a:schemeClr val="accent2">
+                  <a:lumMod val="60000"/>
+                  <a:lumOff val="40000"/>
+                </a:schemeClr>
+              </a:solidFill>
+              <a:ln w="50800" cmpd="sng">
+                <a:solidFill>
+                  <a:schemeClr val="accent2">
+                    <a:lumMod val="75000"/>
+                  </a:schemeClr>
+                </a:solidFill>
+                <a:prstDash val="solid"/>
+              </a:ln>
+            </p:spPr>
+            <p:style>
+              <a:lnRef idx="2">
+                <a:schemeClr val="accent1">
+                  <a:shade val="50000"/>
+                </a:schemeClr>
+              </a:lnRef>
+              <a:fillRef idx="1">
+                <a:schemeClr val="accent1"/>
+              </a:fillRef>
+              <a:effectRef idx="0">
+                <a:schemeClr val="accent1"/>
+              </a:effectRef>
+              <a:fontRef idx="minor">
+                <a:schemeClr val="lt1"/>
+              </a:fontRef>
+            </p:style>
+            <p:txBody>
+              <a:bodyPr rtlCol="0" anchor="ctr"/>
+              <a:p>
+                <a:pPr algn="ctr"/>
+                <a:endParaRPr lang="en-US" altLang="en-US" i="1">
+                  <a:solidFill>
+                    <a:schemeClr val="accent1">
+                      <a:lumMod val="50000"/>
+                    </a:schemeClr>
+                  </a:solidFill>
+                  <a:sym typeface="+mn-ea"/>
+                </a:endParaRPr>
+              </a:p>
+            </p:txBody>
+          </p:sp>
+        </p:grpSp>
+        <p:sp>
+          <p:nvSpPr>
+            <p:cNvPr id="40" name="Rounded Rectangle 39"/>
+            <p:cNvSpPr/>
+            <p:nvPr/>
+          </p:nvSpPr>
+          <p:spPr>
+            <a:xfrm>
+              <a:off x="3938" y="946"/>
+              <a:ext cx="793" cy="467"/>
+            </a:xfrm>
+            <a:prstGeom prst="roundRect">
+              <a:avLst/>
+            </a:prstGeom>
+            <a:solidFill>
+              <a:schemeClr val="accent6">
+                <a:lumMod val="60000"/>
+                <a:lumOff val="40000"/>
+              </a:schemeClr>
+            </a:solidFill>
+            <a:ln w="50800" cmpd="sng">
+              <a:solidFill>
+                <a:schemeClr val="accent6">
+                  <a:lumMod val="75000"/>
+                </a:schemeClr>
+              </a:solidFill>
+              <a:prstDash val="solid"/>
+            </a:ln>
+          </p:spPr>
+          <p:style>
+            <a:lnRef idx="2">
+              <a:schemeClr val="accent1">
+                <a:shade val="50000"/>
+              </a:schemeClr>
+            </a:lnRef>
+            <a:fillRef idx="1">
+              <a:schemeClr val="accent1"/>
+            </a:fillRef>
+            <a:effectRef idx="0">
+              <a:schemeClr val="accent1"/>
+            </a:effectRef>
+            <a:fontRef idx="minor">
+              <a:schemeClr val="lt1"/>
+            </a:fontRef>
+          </p:style>
+          <p:txBody>
+            <a:bodyPr rtlCol="0" anchor="ctr"/>
+            <a:p>
+              <a:pPr algn="ctr"/>
+              <a:endParaRPr lang="en-US" altLang="en-US" i="1">
+                <a:solidFill>
+                  <a:schemeClr val="accent1">
+                    <a:lumMod val="50000"/>
+                  </a:schemeClr>
+                </a:solidFill>
+                <a:sym typeface="+mn-ea"/>
+              </a:endParaRPr>
+            </a:p>
+          </p:txBody>
+        </p:sp>
+        <p:sp>
+          <p:nvSpPr>
+            <p:cNvPr id="41" name="Rounded Rectangle 40"/>
+            <p:cNvSpPr/>
+            <p:nvPr/>
+          </p:nvSpPr>
+          <p:spPr>
+            <a:xfrm>
+              <a:off x="3938" y="1688"/>
+              <a:ext cx="793" cy="467"/>
+            </a:xfrm>
+            <a:prstGeom prst="roundRect">
+              <a:avLst/>
+            </a:prstGeom>
+            <a:solidFill>
+              <a:schemeClr val="accent2">
+                <a:lumMod val="60000"/>
+                <a:lumOff val="40000"/>
+              </a:schemeClr>
+            </a:solidFill>
+            <a:ln w="50800" cmpd="sng">
+              <a:solidFill>
+                <a:schemeClr val="accent2">
+                  <a:lumMod val="75000"/>
+                </a:schemeClr>
+              </a:solidFill>
+              <a:prstDash val="solid"/>
+            </a:ln>
+          </p:spPr>
+          <p:style>
+            <a:lnRef idx="2">
+              <a:schemeClr val="accent1">
+                <a:shade val="50000"/>
+              </a:schemeClr>
+            </a:lnRef>
+            <a:fillRef idx="1">
+              <a:schemeClr val="accent1"/>
+            </a:fillRef>
+            <a:effectRef idx="0">
+              <a:schemeClr val="accent1"/>
+            </a:effectRef>
+            <a:fontRef idx="minor">
+              <a:schemeClr val="lt1"/>
+            </a:fontRef>
+          </p:style>
+          <p:txBody>
+            <a:bodyPr rtlCol="0" anchor="ctr"/>
+            <a:p>
+              <a:pPr algn="ctr"/>
+              <a:endParaRPr lang="en-US" altLang="en-US" i="1">
+                <a:solidFill>
+                  <a:schemeClr val="accent1">
+                    <a:lumMod val="50000"/>
+                  </a:schemeClr>
+                </a:solidFill>
+                <a:sym typeface="+mn-ea"/>
+              </a:endParaRPr>
+            </a:p>
+          </p:txBody>
+        </p:sp>
+        <p:sp>
+          <p:nvSpPr>
+            <p:cNvPr id="42" name="Text Box 41"/>
+            <p:cNvSpPr txBox="1"/>
+            <p:nvPr/>
+          </p:nvSpPr>
+          <p:spPr>
+            <a:xfrm>
+              <a:off x="5149" y="938"/>
+              <a:ext cx="3594" cy="649"/>
+            </a:xfrm>
+            <a:prstGeom prst="rect">
+              <a:avLst/>
+            </a:prstGeom>
+            <a:noFill/>
+          </p:spPr>
+          <p:txBody>
+            <a:bodyPr wrap="square" rtlCol="0">
+              <a:spAutoFit/>
+            </a:bodyPr>
+            <a:p>
+              <a:r>
+                <a:rPr lang="en-US" altLang="en-US" b="1">
+                  <a:solidFill>
+                    <a:schemeClr val="accent6">
+                      <a:lumMod val="75000"/>
+                    </a:schemeClr>
+                  </a:solidFill>
+                </a:rPr>
+                <a:t>TRAINING FOLDS</a:t>
+              </a:r>
+              <a:endParaRPr lang="en-US" altLang="en-US" b="1">
+                <a:solidFill>
+                  <a:schemeClr val="accent6">
+                    <a:lumMod val="75000"/>
+                  </a:schemeClr>
+                </a:solidFill>
+              </a:endParaRPr>
+            </a:p>
+          </p:txBody>
+        </p:sp>
+        <p:sp>
+          <p:nvSpPr>
+            <p:cNvPr id="43" name="Text Box 42"/>
+            <p:cNvSpPr txBox="1"/>
+            <p:nvPr/>
+          </p:nvSpPr>
+          <p:spPr>
+            <a:xfrm>
+              <a:off x="5149" y="1671"/>
+              <a:ext cx="3594" cy="649"/>
+            </a:xfrm>
+            <a:prstGeom prst="rect">
+              <a:avLst/>
+            </a:prstGeom>
+            <a:noFill/>
+          </p:spPr>
+          <p:txBody>
+            <a:bodyPr wrap="square" rtlCol="0">
+              <a:spAutoFit/>
+            </a:bodyPr>
+            <a:p>
+              <a:r>
+                <a:rPr lang="en-US" altLang="en-US" b="1">
+                  <a:solidFill>
+                    <a:schemeClr val="accent2">
+                      <a:lumMod val="75000"/>
+                    </a:schemeClr>
+                  </a:solidFill>
+                </a:rPr>
+                <a:t>VALIDATION FOLD</a:t>
+              </a:r>
+              <a:endParaRPr lang="en-US" altLang="en-US" b="1">
+                <a:solidFill>
+                  <a:schemeClr val="accent2">
+                    <a:lumMod val="75000"/>
+                  </a:schemeClr>
+                </a:solidFill>
+              </a:endParaRPr>
+            </a:p>
+          </p:txBody>
+        </p:sp>
+      </p:grpSp>
+      <p:sp>
+        <p:nvSpPr>
+          <p:cNvPr id="4" name="Rounded Rectangle 3"/>
+          <p:cNvSpPr/>
+          <p:nvPr/>
+        </p:nvSpPr>
+        <p:spPr>
+          <a:xfrm>
+            <a:off x="1034415" y="431800"/>
+            <a:ext cx="6192520" cy="710565"/>
+          </a:xfrm>
+          <a:prstGeom prst="roundRect">
+            <a:avLst/>
+          </a:prstGeom>
+          <a:solidFill>
+            <a:schemeClr val="accent1">
+              <a:lumMod val="60000"/>
+              <a:lumOff val="40000"/>
+            </a:schemeClr>
+          </a:solidFill>
+          <a:ln w="50800" cmpd="sng">
+            <a:solidFill>
+              <a:schemeClr val="accent1">
+                <a:lumMod val="75000"/>
+              </a:schemeClr>
+            </a:solidFill>
+            <a:prstDash val="solid"/>
+          </a:ln>
+        </p:spPr>
+        <p:style>
+          <a:lnRef idx="2">
+            <a:schemeClr val="accent1">
+              <a:shade val="50000"/>
+            </a:schemeClr>
+          </a:lnRef>
+          <a:fillRef idx="1">
+            <a:schemeClr val="accent1"/>
+          </a:fillRef>
+          <a:effectRef idx="0">
+            <a:schemeClr val="accent1"/>
+          </a:effectRef>
+          <a:fontRef idx="minor">
+            <a:schemeClr val="lt1"/>
+          </a:fontRef>
+        </p:style>
+        <p:txBody>
+          <a:bodyPr rtlCol="0" anchor="ctr"/>
+          <a:p>
+            <a:pPr algn="ctr"/>
+            <a:r>
+              <a:rPr lang="en-US" altLang="en-US" b="1">
+                <a:solidFill>
+                  <a:schemeClr val="accent1">
+                    <a:lumMod val="50000"/>
+                  </a:schemeClr>
+                </a:solidFill>
+                <a:sym typeface="+mn-ea"/>
+              </a:rPr>
+              <a:t>CROSS-VALIDATION DATA</a:t>
+            </a:r>
+            <a:endParaRPr lang="en-US" altLang="en-US" b="1">
+              <a:solidFill>
+                <a:schemeClr val="accent1">
+                  <a:lumMod val="50000"/>
+                </a:schemeClr>
+              </a:solidFill>
+              <a:sym typeface="+mn-ea"/>
+            </a:endParaRPr>
+          </a:p>
+        </p:txBody>
+      </p:sp>
+    </p:spTree>
+  </p:cSld>
+  <p:clrMapOvr>
+    <a:masterClrMapping/>
+  </p:clrMapOvr>
+</p:sld>
+</file>
+
+<file path=ppt/slides/slide6.xml><?xml version="1.0" encoding="utf-8"?>
 <p:sld xmlns:a="http://schemas.openxmlformats.org/drawingml/2006/main" xmlns:r="http://schemas.openxmlformats.org/officeDocument/2006/relationships" xmlns:p="http://schemas.openxmlformats.org/presentationml/2006/main">
   <p:cSld>
     <p:spTree>
@@ -6935,7 +9613,7 @@
           <a:p>
             <a:pPr algn="ctr"/>
             <a:r>
-              <a:rPr lang="" altLang="en-US" b="1">
+              <a:rPr lang="en-US" altLang="en-US" b="1">
                 <a:solidFill>
                   <a:schemeClr val="accent1">
                     <a:lumMod val="50000"/>
@@ -6945,7 +9623,7 @@
               </a:rPr>
               <a:t>CROSS-VALIDATION DATA</a:t>
             </a:r>
-            <a:endParaRPr lang="" altLang="en-US" b="1">
+            <a:endParaRPr lang="en-US" altLang="en-US" b="1">
               <a:solidFill>
                 <a:schemeClr val="accent1">
                   <a:lumMod val="50000"/>
@@ -6964,7 +9642,7 @@
 </p:sld>
 </file>
 
-<file path=ppt/slides/slide5.xml><?xml version="1.0" encoding="utf-8"?>
+<file path=ppt/slides/slide7.xml><?xml version="1.0" encoding="utf-8"?>
 <p:sld xmlns:a="http://schemas.openxmlformats.org/drawingml/2006/main" xmlns:r="http://schemas.openxmlformats.org/officeDocument/2006/relationships" xmlns:p="http://schemas.openxmlformats.org/presentationml/2006/main">
   <p:cSld>
     <p:spTree>
@@ -8232,7 +10910,7 @@
               </a:bodyPr>
               <a:p>
                 <a:r>
-                  <a:rPr lang="" altLang="en-US" b="1">
+                  <a:rPr lang="en-US" altLang="en-US" b="1">
                     <a:solidFill>
                       <a:schemeClr val="accent6">
                         <a:lumMod val="75000"/>
@@ -8241,7 +10919,7 @@
                   </a:rPr>
                   <a:t>TRAINING FOLDS</a:t>
                 </a:r>
-                <a:endParaRPr lang="" altLang="en-US" b="1">
+                <a:endParaRPr lang="en-US" altLang="en-US" b="1">
                   <a:solidFill>
                     <a:schemeClr val="accent6">
                       <a:lumMod val="75000"/>
@@ -8273,16 +10951,6 @@
               </a:bodyPr>
               <a:p>
                 <a:r>
-                  <a:rPr lang="" altLang="en-US" b="1">
-                    <a:solidFill>
-                      <a:schemeClr val="accent2">
-                        <a:lumMod val="75000"/>
-                      </a:schemeClr>
-                    </a:solidFill>
-                  </a:rPr>
-                  <a:t>VALIDATION </a:t>
-                </a:r>
-                <a:r>
                   <a:rPr lang="en-US" altLang="en-US" b="1">
                     <a:solidFill>
                       <a:schemeClr val="accent2">
@@ -8290,7 +10958,7 @@
                       </a:schemeClr>
                     </a:solidFill>
                   </a:rPr>
-                  <a:t>FOLD</a:t>
+                  <a:t>VALIDATION FOLD</a:t>
                 </a:r>
                 <a:endParaRPr lang="en-US" altLang="en-US" b="1">
                   <a:solidFill>
@@ -8325,7 +10993,7 @@
             </a:bodyPr>
             <a:p>
               <a:r>
-                <a:rPr lang="" altLang="en-US" sz="1400" b="1" i="1">
+                <a:rPr lang="en-US" altLang="en-US" sz="1400" b="1" i="1">
                   <a:solidFill>
                     <a:schemeClr val="accent2">
                       <a:lumMod val="75000"/>
@@ -8334,7 +11002,7 @@
                 </a:rPr>
                 <a:t>Performance 1</a:t>
               </a:r>
-              <a:endParaRPr lang="" altLang="en-US" sz="1400" b="1" i="1">
+              <a:endParaRPr lang="en-US" altLang="en-US" sz="1400" b="1" i="1">
                 <a:solidFill>
                   <a:schemeClr val="accent2">
                     <a:lumMod val="75000"/>
@@ -8376,7 +11044,7 @@
                 <a:t>Performance </a:t>
               </a:r>
               <a:r>
-                <a:rPr lang="" altLang="en-US" sz="1600" b="1" i="1">
+                <a:rPr lang="en-US" altLang="en-US" sz="1600" b="1" i="1">
                   <a:solidFill>
                     <a:schemeClr val="accent2">
                       <a:lumMod val="75000"/>
@@ -8385,7 +11053,7 @@
                 </a:rPr>
                 <a:t>2</a:t>
               </a:r>
-              <a:endParaRPr lang="" altLang="en-US" sz="1600" b="1" i="1">
+              <a:endParaRPr lang="en-US" altLang="en-US" sz="1600" b="1" i="1">
                 <a:solidFill>
                   <a:schemeClr val="accent2">
                     <a:lumMod val="75000"/>
@@ -8424,19 +11092,9 @@
                     </a:schemeClr>
                   </a:solidFill>
                 </a:rPr>
-                <a:t>Performance </a:t>
+                <a:t>Performance 3</a:t>
               </a:r>
-              <a:r>
-                <a:rPr lang="" altLang="en-US" sz="1400" b="1" i="1">
-                  <a:solidFill>
-                    <a:schemeClr val="accent2">
-                      <a:lumMod val="75000"/>
-                    </a:schemeClr>
-                  </a:solidFill>
-                </a:rPr>
-                <a:t>3</a:t>
-              </a:r>
-              <a:endParaRPr lang="" altLang="en-US" sz="1400" b="1" i="1">
+              <a:endParaRPr lang="en-US" altLang="en-US" sz="1400" b="1" i="1">
                 <a:solidFill>
                   <a:schemeClr val="accent2">
                     <a:lumMod val="75000"/>
@@ -8475,19 +11133,9 @@
                     </a:schemeClr>
                   </a:solidFill>
                 </a:rPr>
-                <a:t>Performance </a:t>
+                <a:t>Performance 4</a:t>
               </a:r>
-              <a:r>
-                <a:rPr lang="" altLang="en-US" sz="1400" b="1" i="1">
-                  <a:solidFill>
-                    <a:schemeClr val="accent2">
-                      <a:lumMod val="75000"/>
-                    </a:schemeClr>
-                  </a:solidFill>
-                </a:rPr>
-                <a:t>4</a:t>
-              </a:r>
-              <a:endParaRPr lang="" altLang="en-US" sz="1400" b="1" i="1">
+              <a:endParaRPr lang="en-US" altLang="en-US" sz="1400" b="1" i="1">
                 <a:solidFill>
                   <a:schemeClr val="accent2">
                     <a:lumMod val="75000"/>
@@ -8541,7 +11189,7 @@
           <a:p>
             <a:pPr algn="ctr"/>
             <a:r>
-              <a:rPr lang="" altLang="en-US" b="1" i="1">
+              <a:rPr lang="en-US" altLang="en-US" b="1" i="1">
                 <a:solidFill>
                   <a:schemeClr val="accent2">
                     <a:lumMod val="75000"/>
@@ -8550,7 +11198,7 @@
               </a:rPr>
               <a:t>(average)</a:t>
             </a:r>
-            <a:endParaRPr lang="" altLang="en-US" b="1" i="1">
+            <a:endParaRPr lang="en-US" altLang="en-US" b="1" i="1">
               <a:solidFill>
                 <a:schemeClr val="accent2">
                   <a:lumMod val="75000"/>
@@ -8568,7 +11216,7 @@
 </p:sld>
 </file>
 
-<file path=ppt/slides/slide6.xml><?xml version="1.0" encoding="utf-8"?>
+<file path=ppt/slides/slide8.xml><?xml version="1.0" encoding="utf-8"?>
 <p:sld xmlns:a="http://schemas.openxmlformats.org/drawingml/2006/main" xmlns:r="http://schemas.openxmlformats.org/officeDocument/2006/relationships" xmlns:p="http://schemas.openxmlformats.org/presentationml/2006/main">
   <p:cSld>
     <p:spTree>
@@ -9927,18 +12575,7 @@
                   </a:solidFill>
                   <a:sym typeface="+mn-ea"/>
                 </a:rPr>
-                <a:t>Model </a:t>
-              </a:r>
-              <a:r>
-                <a:rPr lang="" altLang="en-US" sz="1400" b="1" i="1">
-                  <a:solidFill>
-                    <a:schemeClr val="bg2">
-                      <a:lumMod val="50000"/>
-                    </a:schemeClr>
-                  </a:solidFill>
-                  <a:sym typeface="+mn-ea"/>
-                </a:rPr>
-                <a:t>A |</a:t>
+                <a:t>Model A |</a:t>
               </a:r>
               <a:r>
                 <a:rPr lang="en-US" altLang="en-US" sz="1400" b="1" i="1">
@@ -9949,29 +12586,7 @@
                   </a:solidFill>
                   <a:sym typeface="+mn-ea"/>
                 </a:rPr>
-                <a:t> perf </a:t>
-              </a:r>
-              <a:r>
-                <a:rPr lang="" altLang="en-US" sz="1400" b="1" i="1">
-                  <a:solidFill>
-                    <a:schemeClr val="accent2">
-                      <a:lumMod val="75000"/>
-                    </a:schemeClr>
-                  </a:solidFill>
-                  <a:sym typeface="+mn-ea"/>
-                </a:rPr>
-                <a:t>A.</a:t>
-              </a:r>
-              <a:r>
-                <a:rPr lang="en-US" altLang="en-US" sz="1400" b="1" i="1">
-                  <a:solidFill>
-                    <a:schemeClr val="accent2">
-                      <a:lumMod val="75000"/>
-                    </a:schemeClr>
-                  </a:solidFill>
-                  <a:sym typeface="+mn-ea"/>
-                </a:rPr>
-                <a:t>1</a:t>
+                <a:t> perf A.1</a:t>
               </a:r>
               <a:endParaRPr lang="en-US" altLang="en-US" sz="1400" b="1" i="1">
                 <a:solidFill>
@@ -9992,18 +12607,7 @@
                   </a:solidFill>
                   <a:sym typeface="+mn-ea"/>
                 </a:rPr>
-                <a:t>Model B </a:t>
-              </a:r>
-              <a:r>
-                <a:rPr lang="" altLang="en-US" sz="1400" b="1" i="1">
-                  <a:solidFill>
-                    <a:schemeClr val="bg2">
-                      <a:lumMod val="50000"/>
-                    </a:schemeClr>
-                  </a:solidFill>
-                  <a:sym typeface="+mn-ea"/>
-                </a:rPr>
-                <a:t>|</a:t>
+                <a:t>Model B |</a:t>
               </a:r>
               <a:r>
                 <a:rPr lang="en-US" altLang="en-US" sz="1400" b="1" i="1">
@@ -10014,18 +12618,7 @@
                   </a:solidFill>
                   <a:sym typeface="+mn-ea"/>
                 </a:rPr>
-                <a:t> perf B.</a:t>
-              </a:r>
-              <a:r>
-                <a:rPr lang="" altLang="en-US" sz="1400" b="1" i="1">
-                  <a:solidFill>
-                    <a:schemeClr val="accent2">
-                      <a:lumMod val="75000"/>
-                    </a:schemeClr>
-                  </a:solidFill>
-                  <a:sym typeface="+mn-ea"/>
-                </a:rPr>
-                <a:t>1</a:t>
+                <a:t> perf B.1</a:t>
               </a:r>
               <a:endParaRPr lang="en-US" altLang="en-US" sz="1400" b="1" i="1">
                 <a:solidFill>
@@ -10046,18 +12639,7 @@
                   </a:solidFill>
                   <a:sym typeface="+mn-ea"/>
                 </a:rPr>
-                <a:t>Model </a:t>
-              </a:r>
-              <a:r>
-                <a:rPr lang="" altLang="en-US" sz="1400" b="1" i="1">
-                  <a:solidFill>
-                    <a:schemeClr val="bg2">
-                      <a:lumMod val="50000"/>
-                    </a:schemeClr>
-                  </a:solidFill>
-                  <a:sym typeface="+mn-ea"/>
-                </a:rPr>
-                <a:t>C |</a:t>
+                <a:t>Model C |</a:t>
               </a:r>
               <a:r>
                 <a:rPr lang="en-US" altLang="en-US" sz="1400" b="1" i="1">
@@ -10068,29 +12650,7 @@
                   </a:solidFill>
                   <a:sym typeface="+mn-ea"/>
                 </a:rPr>
-                <a:t> perf </a:t>
-              </a:r>
-              <a:r>
-                <a:rPr lang="" altLang="en-US" sz="1400" b="1" i="1">
-                  <a:solidFill>
-                    <a:schemeClr val="accent2">
-                      <a:lumMod val="75000"/>
-                    </a:schemeClr>
-                  </a:solidFill>
-                  <a:sym typeface="+mn-ea"/>
-                </a:rPr>
-                <a:t>C</a:t>
-              </a:r>
-              <a:r>
-                <a:rPr lang="" altLang="en-US" sz="1400" b="1" i="1">
-                  <a:solidFill>
-                    <a:schemeClr val="accent2">
-                      <a:lumMod val="75000"/>
-                    </a:schemeClr>
-                  </a:solidFill>
-                  <a:sym typeface="+mn-ea"/>
-                </a:rPr>
-                <a:t>.</a:t>
+                <a:t> perf C.1</a:t>
               </a:r>
               <a:r>
                 <a:rPr lang="en-US" altLang="en-US" sz="1400" b="1" i="1">
@@ -10099,21 +12659,10 @@
                       <a:lumMod val="75000"/>
                     </a:schemeClr>
                   </a:solidFill>
-                  <a:sym typeface="+mn-ea"/>
-                </a:rPr>
-                <a:t>1</a:t>
-              </a:r>
-              <a:r>
-                <a:rPr lang="" altLang="en-US" sz="1400" b="1" i="1">
-                  <a:solidFill>
-                    <a:schemeClr val="accent2">
-                      <a:lumMod val="75000"/>
-                    </a:schemeClr>
-                  </a:solidFill>
                 </a:rPr>
                 <a:t>...</a:t>
               </a:r>
-              <a:endParaRPr lang="" altLang="en-US" sz="1400" b="1" i="1">
+              <a:endParaRPr lang="en-US" altLang="en-US" sz="1400" b="1" i="1">
                 <a:solidFill>
                   <a:schemeClr val="accent2">
                     <a:lumMod val="75000"/>
@@ -10153,18 +12702,7 @@
                   </a:solidFill>
                   <a:sym typeface="+mn-ea"/>
                 </a:rPr>
-                <a:t>Model A </a:t>
-              </a:r>
-              <a:r>
-                <a:rPr lang="" altLang="en-US" sz="1400" b="1" i="1">
-                  <a:solidFill>
-                    <a:schemeClr val="bg2">
-                      <a:lumMod val="50000"/>
-                    </a:schemeClr>
-                  </a:solidFill>
-                  <a:sym typeface="+mn-ea"/>
-                </a:rPr>
-                <a:t>|</a:t>
+                <a:t>Model A |</a:t>
               </a:r>
               <a:r>
                 <a:rPr lang="en-US" altLang="en-US" sz="1400" b="1" i="1">
@@ -10175,18 +12713,7 @@
                   </a:solidFill>
                   <a:sym typeface="+mn-ea"/>
                 </a:rPr>
-                <a:t> perf A.</a:t>
-              </a:r>
-              <a:r>
-                <a:rPr lang="" altLang="en-US" sz="1400" b="1" i="1">
-                  <a:solidFill>
-                    <a:schemeClr val="accent2">
-                      <a:lumMod val="75000"/>
-                    </a:schemeClr>
-                  </a:solidFill>
-                  <a:sym typeface="+mn-ea"/>
-                </a:rPr>
-                <a:t>2</a:t>
+                <a:t> perf A.2</a:t>
               </a:r>
               <a:endParaRPr lang="en-US" altLang="en-US" sz="1400" b="1" i="1">
                 <a:solidFill>
@@ -10207,18 +12734,7 @@
                   </a:solidFill>
                   <a:sym typeface="+mn-ea"/>
                 </a:rPr>
-                <a:t>Model B </a:t>
-              </a:r>
-              <a:r>
-                <a:rPr lang="" altLang="en-US" sz="1400" b="1" i="1">
-                  <a:solidFill>
-                    <a:schemeClr val="bg2">
-                      <a:lumMod val="50000"/>
-                    </a:schemeClr>
-                  </a:solidFill>
-                  <a:sym typeface="+mn-ea"/>
-                </a:rPr>
-                <a:t>|</a:t>
+                <a:t>Model B |</a:t>
               </a:r>
               <a:r>
                 <a:rPr lang="en-US" altLang="en-US" sz="1400" b="1" i="1">
@@ -10250,18 +12766,7 @@
                   </a:solidFill>
                   <a:sym typeface="+mn-ea"/>
                 </a:rPr>
-                <a:t>Model </a:t>
-              </a:r>
-              <a:r>
-                <a:rPr lang="" altLang="en-US" sz="1400" b="1" i="1">
-                  <a:solidFill>
-                    <a:schemeClr val="bg2">
-                      <a:lumMod val="50000"/>
-                    </a:schemeClr>
-                  </a:solidFill>
-                  <a:sym typeface="+mn-ea"/>
-                </a:rPr>
-                <a:t>C |</a:t>
+                <a:t>Model C |</a:t>
               </a:r>
               <a:r>
                 <a:rPr lang="en-US" altLang="en-US" sz="1400" b="1" i="1">
@@ -10272,40 +12777,7 @@
                   </a:solidFill>
                   <a:sym typeface="+mn-ea"/>
                 </a:rPr>
-                <a:t> perf </a:t>
-              </a:r>
-              <a:r>
-                <a:rPr lang="" altLang="en-US" sz="1400" b="1" i="1">
-                  <a:solidFill>
-                    <a:schemeClr val="accent2">
-                      <a:lumMod val="75000"/>
-                    </a:schemeClr>
-                  </a:solidFill>
-                  <a:sym typeface="+mn-ea"/>
-                </a:rPr>
-                <a:t>C</a:t>
-              </a:r>
-              <a:r>
-                <a:rPr lang="en-US" altLang="en-US" sz="1400" b="1" i="1">
-                  <a:solidFill>
-                    <a:schemeClr val="accent2">
-                      <a:lumMod val="75000"/>
-                    </a:schemeClr>
-                  </a:solidFill>
-                  <a:sym typeface="+mn-ea"/>
-                </a:rPr>
-                <a:t>.</a:t>
-              </a:r>
-              <a:r>
-                <a:rPr lang="" altLang="en-US" sz="1400" b="1" i="1">
-                  <a:solidFill>
-                    <a:schemeClr val="accent2">
-                      <a:lumMod val="75000"/>
-                    </a:schemeClr>
-                  </a:solidFill>
-                  <a:sym typeface="+mn-ea"/>
-                </a:rPr>
-                <a:t>2</a:t>
+                <a:t> perf C.2</a:t>
               </a:r>
               <a:endParaRPr lang="en-US" altLang="en-US" sz="1400" b="1" i="1">
                 <a:solidFill>
@@ -10357,18 +12829,7 @@
                   </a:solidFill>
                   <a:sym typeface="+mn-ea"/>
                 </a:rPr>
-                <a:t>Model A </a:t>
-              </a:r>
-              <a:r>
-                <a:rPr lang="" altLang="en-US" sz="1400" b="1" i="1">
-                  <a:solidFill>
-                    <a:schemeClr val="bg2">
-                      <a:lumMod val="50000"/>
-                    </a:schemeClr>
-                  </a:solidFill>
-                  <a:sym typeface="+mn-ea"/>
-                </a:rPr>
-                <a:t>|</a:t>
+                <a:t>Model A |</a:t>
               </a:r>
               <a:r>
                 <a:rPr lang="en-US" altLang="en-US" sz="1400" b="1" i="1">
@@ -10379,18 +12840,7 @@
                   </a:solidFill>
                   <a:sym typeface="+mn-ea"/>
                 </a:rPr>
-                <a:t> perf A.</a:t>
-              </a:r>
-              <a:r>
-                <a:rPr lang="" altLang="en-US" sz="1400" b="1" i="1">
-                  <a:solidFill>
-                    <a:schemeClr val="accent2">
-                      <a:lumMod val="75000"/>
-                    </a:schemeClr>
-                  </a:solidFill>
-                  <a:sym typeface="+mn-ea"/>
-                </a:rPr>
-                <a:t>3</a:t>
+                <a:t> perf A.3</a:t>
               </a:r>
               <a:endParaRPr lang="en-US" altLang="en-US" sz="1400" b="1" i="1">
                 <a:solidFill>
@@ -10411,18 +12861,7 @@
                   </a:solidFill>
                   <a:sym typeface="+mn-ea"/>
                 </a:rPr>
-                <a:t>Model B </a:t>
-              </a:r>
-              <a:r>
-                <a:rPr lang="" altLang="en-US" sz="1400" b="1" i="1">
-                  <a:solidFill>
-                    <a:schemeClr val="bg2">
-                      <a:lumMod val="50000"/>
-                    </a:schemeClr>
-                  </a:solidFill>
-                  <a:sym typeface="+mn-ea"/>
-                </a:rPr>
-                <a:t>|</a:t>
+                <a:t>Model B |</a:t>
               </a:r>
               <a:r>
                 <a:rPr lang="en-US" altLang="en-US" sz="1400" b="1" i="1">
@@ -10433,18 +12872,7 @@
                   </a:solidFill>
                   <a:sym typeface="+mn-ea"/>
                 </a:rPr>
-                <a:t> perf B.</a:t>
-              </a:r>
-              <a:r>
-                <a:rPr lang="" altLang="en-US" sz="1400" b="1" i="1">
-                  <a:solidFill>
-                    <a:schemeClr val="accent2">
-                      <a:lumMod val="75000"/>
-                    </a:schemeClr>
-                  </a:solidFill>
-                  <a:sym typeface="+mn-ea"/>
-                </a:rPr>
-                <a:t>3</a:t>
+                <a:t> perf B.3</a:t>
               </a:r>
               <a:endParaRPr lang="en-US" altLang="en-US" sz="1400" b="1" i="1">
                 <a:solidFill>
@@ -10465,18 +12893,7 @@
                   </a:solidFill>
                   <a:sym typeface="+mn-ea"/>
                 </a:rPr>
-                <a:t>Model </a:t>
-              </a:r>
-              <a:r>
-                <a:rPr lang="" altLang="en-US" sz="1400" b="1" i="1">
-                  <a:solidFill>
-                    <a:schemeClr val="bg2">
-                      <a:lumMod val="50000"/>
-                    </a:schemeClr>
-                  </a:solidFill>
-                  <a:sym typeface="+mn-ea"/>
-                </a:rPr>
-                <a:t>C |</a:t>
+                <a:t>Model C |</a:t>
               </a:r>
               <a:r>
                 <a:rPr lang="en-US" altLang="en-US" sz="1400" b="1" i="1">
@@ -10487,42 +12904,9 @@
                   </a:solidFill>
                   <a:sym typeface="+mn-ea"/>
                 </a:rPr>
-                <a:t> perf </a:t>
+                <a:t> perf C.3</a:t>
               </a:r>
-              <a:r>
-                <a:rPr lang="" altLang="en-US" sz="1400" b="1" i="1">
-                  <a:solidFill>
-                    <a:schemeClr val="accent2">
-                      <a:lumMod val="75000"/>
-                    </a:schemeClr>
-                  </a:solidFill>
-                  <a:sym typeface="+mn-ea"/>
-                </a:rPr>
-                <a:t>C</a:t>
-              </a:r>
-              <a:r>
-                <a:rPr lang="en-US" altLang="en-US" sz="1400" b="1" i="1">
-                  <a:solidFill>
-                    <a:schemeClr val="accent2">
-                      <a:lumMod val="75000"/>
-                    </a:schemeClr>
-                  </a:solidFill>
-                  <a:sym typeface="+mn-ea"/>
-                </a:rPr>
-                <a:t>.</a:t>
-              </a:r>
-              <a:r>
-                <a:rPr lang="" altLang="en-US" sz="1400" b="1" i="1">
-                  <a:solidFill>
-                    <a:schemeClr val="accent2">
-                      <a:lumMod val="75000"/>
-                    </a:schemeClr>
-                  </a:solidFill>
-                  <a:sym typeface="+mn-ea"/>
-                </a:rPr>
-                <a:t>3</a:t>
-              </a:r>
-              <a:endParaRPr lang="" altLang="en-US" sz="1400" b="1" i="1">
+              <a:endParaRPr lang="en-US" altLang="en-US" sz="1400" b="1" i="1">
                 <a:solidFill>
                   <a:schemeClr val="accent2">
                     <a:lumMod val="75000"/>
@@ -10563,18 +12947,7 @@
                   </a:solidFill>
                   <a:sym typeface="+mn-ea"/>
                 </a:rPr>
-                <a:t>Model A </a:t>
-              </a:r>
-              <a:r>
-                <a:rPr lang="" altLang="en-US" sz="1400" b="1" i="1">
-                  <a:solidFill>
-                    <a:schemeClr val="bg2">
-                      <a:lumMod val="50000"/>
-                    </a:schemeClr>
-                  </a:solidFill>
-                  <a:sym typeface="+mn-ea"/>
-                </a:rPr>
-                <a:t>|</a:t>
+                <a:t>Model A |</a:t>
               </a:r>
               <a:r>
                 <a:rPr lang="en-US" altLang="en-US" sz="1400" b="1" i="1">
@@ -10585,18 +12958,7 @@
                   </a:solidFill>
                   <a:sym typeface="+mn-ea"/>
                 </a:rPr>
-                <a:t> perf A.</a:t>
-              </a:r>
-              <a:r>
-                <a:rPr lang="" altLang="en-US" sz="1400" b="1" i="1">
-                  <a:solidFill>
-                    <a:schemeClr val="accent2">
-                      <a:lumMod val="75000"/>
-                    </a:schemeClr>
-                  </a:solidFill>
-                  <a:sym typeface="+mn-ea"/>
-                </a:rPr>
-                <a:t>4</a:t>
+                <a:t> perf A.4</a:t>
               </a:r>
               <a:endParaRPr lang="en-US" altLang="en-US" sz="1400" b="1" i="1">
                 <a:solidFill>
@@ -10617,18 +12979,7 @@
                   </a:solidFill>
                   <a:sym typeface="+mn-ea"/>
                 </a:rPr>
-                <a:t>Model B </a:t>
-              </a:r>
-              <a:r>
-                <a:rPr lang="" altLang="en-US" sz="1400" b="1" i="1">
-                  <a:solidFill>
-                    <a:schemeClr val="bg2">
-                      <a:lumMod val="50000"/>
-                    </a:schemeClr>
-                  </a:solidFill>
-                  <a:sym typeface="+mn-ea"/>
-                </a:rPr>
-                <a:t>|</a:t>
+                <a:t>Model B |</a:t>
               </a:r>
               <a:r>
                 <a:rPr lang="en-US" altLang="en-US" sz="1400" b="1" i="1">
@@ -10639,18 +12990,7 @@
                   </a:solidFill>
                   <a:sym typeface="+mn-ea"/>
                 </a:rPr>
-                <a:t> perf B.</a:t>
-              </a:r>
-              <a:r>
-                <a:rPr lang="" altLang="en-US" sz="1400" b="1" i="1">
-                  <a:solidFill>
-                    <a:schemeClr val="accent2">
-                      <a:lumMod val="75000"/>
-                    </a:schemeClr>
-                  </a:solidFill>
-                  <a:sym typeface="+mn-ea"/>
-                </a:rPr>
-                <a:t>4</a:t>
+                <a:t> perf B.4</a:t>
               </a:r>
               <a:endParaRPr lang="en-US" altLang="en-US" sz="1400" b="1" i="1">
                 <a:solidFill>
@@ -10671,18 +13011,7 @@
                   </a:solidFill>
                   <a:sym typeface="+mn-ea"/>
                 </a:rPr>
-                <a:t>Model </a:t>
-              </a:r>
-              <a:r>
-                <a:rPr lang="" altLang="en-US" sz="1400" b="1" i="1">
-                  <a:solidFill>
-                    <a:schemeClr val="bg2">
-                      <a:lumMod val="50000"/>
-                    </a:schemeClr>
-                  </a:solidFill>
-                  <a:sym typeface="+mn-ea"/>
-                </a:rPr>
-                <a:t>C |</a:t>
+                <a:t>Model C |</a:t>
               </a:r>
               <a:r>
                 <a:rPr lang="en-US" altLang="en-US" sz="1400" b="1" i="1">
@@ -10693,29 +13022,7 @@
                   </a:solidFill>
                   <a:sym typeface="+mn-ea"/>
                 </a:rPr>
-                <a:t> perf </a:t>
-              </a:r>
-              <a:r>
-                <a:rPr lang="" altLang="en-US" sz="1400" b="1" i="1">
-                  <a:solidFill>
-                    <a:schemeClr val="accent2">
-                      <a:lumMod val="75000"/>
-                    </a:schemeClr>
-                  </a:solidFill>
-                  <a:sym typeface="+mn-ea"/>
-                </a:rPr>
-                <a:t>C</a:t>
-              </a:r>
-              <a:r>
-                <a:rPr lang="en-US" altLang="en-US" sz="1400" b="1" i="1">
-                  <a:solidFill>
-                    <a:schemeClr val="accent2">
-                      <a:lumMod val="75000"/>
-                    </a:schemeClr>
-                  </a:solidFill>
-                  <a:sym typeface="+mn-ea"/>
-                </a:rPr>
-                <a:t>.4</a:t>
+                <a:t> perf C.4</a:t>
               </a:r>
               <a:endParaRPr lang="en-US" altLang="en-US" sz="1400" b="1" i="1">
                 <a:solidFill>
@@ -10751,7 +13058,7 @@
           <a:p>
             <a:pPr algn="ctr"/>
             <a:r>
-              <a:rPr lang="" altLang="en-US" b="1" i="1">
+              <a:rPr lang="en-US" altLang="en-US" b="1" i="1">
                 <a:solidFill>
                   <a:schemeClr val="bg2">
                     <a:lumMod val="50000"/>
@@ -10761,7 +13068,7 @@
               <a:t>Model A |</a:t>
             </a:r>
             <a:r>
-              <a:rPr lang="" altLang="en-US" b="1" i="1">
+              <a:rPr lang="en-US" altLang="en-US" b="1" i="1">
                 <a:solidFill>
                   <a:schemeClr val="accent2">
                     <a:lumMod val="75000"/>
@@ -10770,7 +13077,7 @@
               </a:rPr>
               <a:t> perf</a:t>
             </a:r>
-            <a:endParaRPr lang="" altLang="en-US" b="1" i="1">
+            <a:endParaRPr lang="en-US" altLang="en-US" b="1" i="1">
               <a:solidFill>
                 <a:schemeClr val="accent2">
                   <a:lumMod val="75000"/>
@@ -10781,7 +13088,7 @@
           <a:p>
             <a:pPr algn="ctr"/>
             <a:r>
-              <a:rPr lang="" altLang="en-US" b="1" i="1">
+              <a:rPr lang="en-US" altLang="en-US" b="1" i="1">
                 <a:solidFill>
                   <a:schemeClr val="bg2">
                     <a:lumMod val="50000"/>
@@ -10791,7 +13098,7 @@
               <a:t>Model B |</a:t>
             </a:r>
             <a:r>
-              <a:rPr lang="" altLang="en-US" b="1" i="1">
+              <a:rPr lang="en-US" altLang="en-US" b="1" i="1">
                 <a:solidFill>
                   <a:schemeClr val="accent2">
                     <a:lumMod val="75000"/>
@@ -10800,7 +13107,7 @@
               </a:rPr>
               <a:t> perf</a:t>
             </a:r>
-            <a:endParaRPr lang="" altLang="en-US" b="1" i="1">
+            <a:endParaRPr lang="en-US" altLang="en-US" b="1" i="1">
               <a:solidFill>
                 <a:schemeClr val="accent2">
                   <a:lumMod val="75000"/>
@@ -10811,7 +13118,7 @@
           <a:p>
             <a:pPr algn="ctr"/>
             <a:r>
-              <a:rPr lang="" altLang="en-US" b="1" i="1">
+              <a:rPr lang="en-US" altLang="en-US" b="1" i="1">
                 <a:solidFill>
                   <a:schemeClr val="bg2">
                     <a:lumMod val="50000"/>
@@ -10821,7 +13128,7 @@
               <a:t>Model C |</a:t>
             </a:r>
             <a:r>
-              <a:rPr lang="" altLang="en-US" b="1" i="1">
+              <a:rPr lang="en-US" altLang="en-US" b="1" i="1">
                 <a:solidFill>
                   <a:schemeClr val="accent2">
                     <a:lumMod val="75000"/>
@@ -10953,7 +13260,7 @@
           </a:bodyPr>
           <a:p>
             <a:r>
-              <a:rPr lang="" altLang="en-US" sz="1400" b="1">
+              <a:rPr lang="en-US" altLang="en-US" sz="1400" b="1">
                 <a:solidFill>
                   <a:schemeClr val="accent1">
                     <a:lumMod val="50000"/>
@@ -10963,7 +13270,7 @@
               </a:rPr>
               <a:t>split 1</a:t>
             </a:r>
-            <a:endParaRPr lang="" altLang="en-US" sz="1400" b="1">
+            <a:endParaRPr lang="en-US" altLang="en-US" sz="1400" b="1">
               <a:solidFill>
                 <a:schemeClr val="accent1">
                   <a:lumMod val="50000"/>
@@ -11004,20 +13311,9 @@
                 </a:solidFill>
                 <a:sym typeface="+mn-ea"/>
               </a:rPr>
-              <a:t>split </a:t>
+              <a:t>split 2</a:t>
             </a:r>
-            <a:r>
-              <a:rPr lang="" altLang="en-US" sz="1400" b="1">
-                <a:solidFill>
-                  <a:schemeClr val="accent1">
-                    <a:lumMod val="50000"/>
-                  </a:schemeClr>
-                </a:solidFill>
-                <a:sym typeface="+mn-ea"/>
-              </a:rPr>
-              <a:t>2</a:t>
-            </a:r>
-            <a:endParaRPr lang="" altLang="en-US" sz="1400" b="1">
+            <a:endParaRPr lang="en-US" altLang="en-US" sz="1400" b="1">
               <a:solidFill>
                 <a:schemeClr val="accent1">
                   <a:lumMod val="50000"/>
@@ -11058,20 +13354,9 @@
                 </a:solidFill>
                 <a:sym typeface="+mn-ea"/>
               </a:rPr>
-              <a:t>split </a:t>
+              <a:t>split 3</a:t>
             </a:r>
-            <a:r>
-              <a:rPr lang="" altLang="en-US" sz="1400" b="1">
-                <a:solidFill>
-                  <a:schemeClr val="accent1">
-                    <a:lumMod val="50000"/>
-                  </a:schemeClr>
-                </a:solidFill>
-                <a:sym typeface="+mn-ea"/>
-              </a:rPr>
-              <a:t>3</a:t>
-            </a:r>
-            <a:endParaRPr lang="" altLang="en-US" sz="1400" b="1">
+            <a:endParaRPr lang="en-US" altLang="en-US" sz="1400" b="1">
               <a:solidFill>
                 <a:schemeClr val="accent1">
                   <a:lumMod val="50000"/>
@@ -11112,20 +13397,9 @@
                 </a:solidFill>
                 <a:sym typeface="+mn-ea"/>
               </a:rPr>
-              <a:t>split </a:t>
+              <a:t>split 4</a:t>
             </a:r>
-            <a:r>
-              <a:rPr lang="" altLang="en-US" sz="1400" b="1">
-                <a:solidFill>
-                  <a:schemeClr val="accent1">
-                    <a:lumMod val="50000"/>
-                  </a:schemeClr>
-                </a:solidFill>
-                <a:sym typeface="+mn-ea"/>
-              </a:rPr>
-              <a:t>4</a:t>
-            </a:r>
-            <a:endParaRPr lang="" altLang="en-US" sz="1400" b="1">
+            <a:endParaRPr lang="en-US" altLang="en-US" sz="1400" b="1">
               <a:solidFill>
                 <a:schemeClr val="accent1">
                   <a:lumMod val="50000"/>
@@ -11144,7 +13418,7 @@
 </p:sld>
 </file>
 
-<file path=ppt/slides/slide7.xml><?xml version="1.0" encoding="utf-8"?>
+<file path=ppt/slides/slide9.xml><?xml version="1.0" encoding="utf-8"?>
 <p:sld xmlns:a="http://schemas.openxmlformats.org/drawingml/2006/main" xmlns:r="http://schemas.openxmlformats.org/officeDocument/2006/relationships" xmlns:p="http://schemas.openxmlformats.org/presentationml/2006/main">
   <p:cSld>
     <p:spTree>
@@ -11316,7 +13590,7 @@
           <a:bodyPr rtlCol="0" anchor="ctr"/>
           <a:p>
             <a:pPr algn="ctr"/>
-            <a:endParaRPr lang="" altLang="en-US" b="1">
+            <a:endParaRPr lang="en-US" altLang="en-US" b="1">
               <a:solidFill>
                 <a:schemeClr val="accent1">
                   <a:lumMod val="50000"/>
@@ -11363,16 +13637,6 @@
             </a:bodyPr>
             <a:p>
               <a:r>
-                <a:rPr lang="" altLang="en-US" b="1">
-                  <a:solidFill>
-                    <a:schemeClr val="accent1">
-                      <a:lumMod val="75000"/>
-                    </a:schemeClr>
-                  </a:solidFill>
-                </a:rPr>
-                <a:t>CROSS-VALIDATION </a:t>
-              </a:r>
-              <a:r>
                 <a:rPr lang="en-US" altLang="en-US" b="1">
                   <a:solidFill>
                     <a:schemeClr val="accent1">
@@ -11380,7 +13644,7 @@
                     </a:schemeClr>
                   </a:solidFill>
                 </a:rPr>
-                <a:t>FOLDS</a:t>
+                <a:t>CROSS-VALIDATION FOLDS</a:t>
               </a:r>
               <a:endParaRPr lang="en-US" altLang="en-US" b="1">
                 <a:solidFill>
@@ -11414,20 +13678,12 @@
             </a:bodyPr>
             <a:p>
               <a:r>
-                <a:rPr lang="" altLang="en-US" b="1">
-                  <a:solidFill>
-                    <a:srgbClr val="AD4545"/>
-                  </a:solidFill>
-                </a:rPr>
-                <a:t>TEST </a:t>
-              </a:r>
-              <a:r>
                 <a:rPr lang="en-US" altLang="en-US" b="1">
                   <a:solidFill>
                     <a:srgbClr val="AD4545"/>
                   </a:solidFill>
                 </a:rPr>
-                <a:t>FOLD</a:t>
+                <a:t>TEST FOLD</a:t>
               </a:r>
               <a:endParaRPr lang="en-US" altLang="en-US" b="1">
                 <a:solidFill>
@@ -13510,7 +15766,7 @@
           <a:p>
             <a:pPr algn="ctr"/>
             <a:r>
-              <a:rPr lang="" altLang="en-US" b="1">
+              <a:rPr lang="en-US" altLang="en-US" b="1">
                 <a:solidFill>
                   <a:schemeClr val="tx1">
                     <a:lumMod val="65000"/>
@@ -13521,7 +15777,7 @@
               </a:rPr>
               <a:t>ALL DATA</a:t>
             </a:r>
-            <a:endParaRPr lang="" altLang="en-US" b="1">
+            <a:endParaRPr lang="en-US" altLang="en-US" b="1">
               <a:solidFill>
                 <a:schemeClr val="tx1">
                   <a:lumMod val="65000"/>
@@ -13556,7 +15812,7 @@
           <a:p>
             <a:pPr algn="ctr"/>
             <a:r>
-              <a:rPr lang="" altLang="en-US" b="1" i="1">
+              <a:rPr lang="en-US" altLang="en-US" b="1" i="1">
                 <a:solidFill>
                   <a:schemeClr val="tx1">
                     <a:lumMod val="65000"/>
@@ -13567,7 +15823,7 @@
               </a:rPr>
               <a:t>“outer loop”</a:t>
             </a:r>
-            <a:endParaRPr lang="" altLang="en-US" i="1"/>
+            <a:endParaRPr lang="en-US" altLang="en-US" i="1"/>
           </a:p>
         </p:txBody>
       </p:sp>
@@ -13603,1078 +15859,9 @@
                 </a:solidFill>
                 <a:sym typeface="+mn-ea"/>
               </a:rPr>
-              <a:t>“</a:t>
-            </a:r>
-            <a:r>
-              <a:rPr lang="" altLang="en-US" b="1" i="1">
-                <a:solidFill>
-                  <a:schemeClr val="tx1">
-                    <a:lumMod val="65000"/>
-                    <a:lumOff val="35000"/>
-                  </a:schemeClr>
-                </a:solidFill>
-                <a:sym typeface="+mn-ea"/>
-              </a:rPr>
-              <a:t>inner </a:t>
-            </a:r>
-            <a:r>
-              <a:rPr lang="en-US" altLang="en-US" b="1" i="1">
-                <a:solidFill>
-                  <a:schemeClr val="tx1">
-                    <a:lumMod val="65000"/>
-                    <a:lumOff val="35000"/>
-                  </a:schemeClr>
-                </a:solidFill>
-                <a:sym typeface="+mn-ea"/>
-              </a:rPr>
-              <a:t>loop </a:t>
-            </a:r>
-            <a:r>
-              <a:rPr lang="" altLang="en-US" b="1" i="1">
-                <a:solidFill>
-                  <a:schemeClr val="tx1">
-                    <a:lumMod val="65000"/>
-                    <a:lumOff val="35000"/>
-                  </a:schemeClr>
-                </a:solidFill>
-                <a:sym typeface="+mn-ea"/>
-              </a:rPr>
-              <a:t>1</a:t>
-            </a:r>
-            <a:r>
-              <a:rPr lang="en-US" altLang="en-US" b="1" i="1">
-                <a:solidFill>
-                  <a:schemeClr val="tx1">
-                    <a:lumMod val="65000"/>
-                    <a:lumOff val="35000"/>
-                  </a:schemeClr>
-                </a:solidFill>
-                <a:sym typeface="+mn-ea"/>
-              </a:rPr>
-              <a:t>”</a:t>
+              <a:t>“inner loop 1”</a:t>
             </a:r>
             <a:endParaRPr lang="en-US" altLang="en-US" i="1"/>
-          </a:p>
-        </p:txBody>
-      </p:sp>
-    </p:spTree>
-  </p:cSld>
-  <p:clrMapOvr>
-    <a:masterClrMapping/>
-  </p:clrMapOvr>
-</p:sld>
-</file>
-
-<file path=ppt/slides/slide8.xml><?xml version="1.0" encoding="utf-8"?>
-<p:sld xmlns:a="http://schemas.openxmlformats.org/drawingml/2006/main" xmlns:r="http://schemas.openxmlformats.org/officeDocument/2006/relationships" xmlns:p="http://schemas.openxmlformats.org/presentationml/2006/main">
-  <p:cSld>
-    <p:spTree>
-      <p:nvGrpSpPr>
-        <p:cNvPr id="1" name=""/>
-        <p:cNvGrpSpPr/>
-        <p:nvPr/>
-      </p:nvGrpSpPr>
-      <p:grpSpPr/>
-      <p:sp>
-        <p:nvSpPr>
-          <p:cNvPr id="17" name="Rounded Rectangle 16"/>
-          <p:cNvSpPr/>
-          <p:nvPr/>
-        </p:nvSpPr>
-        <p:spPr>
-          <a:xfrm>
-            <a:off x="1303020" y="378460"/>
-            <a:ext cx="8644890" cy="6262370"/>
-          </a:xfrm>
-          <a:prstGeom prst="roundRect">
-            <a:avLst/>
-          </a:prstGeom>
-          <a:solidFill>
-            <a:srgbClr val="C39BE1">
-              <a:alpha val="50000"/>
-            </a:srgbClr>
-          </a:solidFill>
-          <a:ln w="50800" cmpd="sng">
-            <a:solidFill>
-              <a:srgbClr val="7030A0"/>
-            </a:solidFill>
-            <a:prstDash val="solid"/>
-          </a:ln>
-        </p:spPr>
-        <p:style>
-          <a:lnRef idx="2">
-            <a:schemeClr val="accent1">
-              <a:shade val="50000"/>
-            </a:schemeClr>
-          </a:lnRef>
-          <a:fillRef idx="1">
-            <a:schemeClr val="accent1"/>
-          </a:fillRef>
-          <a:effectRef idx="0">
-            <a:schemeClr val="accent1"/>
-          </a:effectRef>
-          <a:fontRef idx="minor">
-            <a:schemeClr val="lt1"/>
-          </a:fontRef>
-        </p:style>
-        <p:txBody>
-          <a:bodyPr rtlCol="0" anchor="ctr"/>
-          <a:p>
-            <a:pPr algn="ctr"/>
-            <a:endParaRPr lang="en-US" altLang="en-US" b="1">
-              <a:solidFill>
-                <a:schemeClr val="tx1">
-                  <a:lumMod val="65000"/>
-                  <a:lumOff val="35000"/>
-                </a:schemeClr>
-              </a:solidFill>
-              <a:sym typeface="+mn-ea"/>
-            </a:endParaRPr>
-          </a:p>
-        </p:txBody>
-      </p:sp>
-      <p:grpSp>
-        <p:nvGrpSpPr>
-          <p:cNvPr id="11" name="Group 10"/>
-          <p:cNvGrpSpPr/>
-          <p:nvPr/>
-        </p:nvGrpSpPr>
-        <p:grpSpPr>
-          <a:xfrm>
-            <a:off x="1835150" y="845820"/>
-            <a:ext cx="7691237" cy="5157419"/>
-            <a:chOff x="1454" y="1095"/>
-            <a:chExt cx="13172" cy="8833"/>
-          </a:xfrm>
-        </p:grpSpPr>
-        <p:sp>
-          <p:nvSpPr>
-            <p:cNvPr id="49" name="Right Arrow Callout 48"/>
-            <p:cNvSpPr/>
-            <p:nvPr/>
-          </p:nvSpPr>
-          <p:spPr>
-            <a:xfrm>
-              <a:off x="1866" y="1318"/>
-              <a:ext cx="4605" cy="8291"/>
-            </a:xfrm>
-            <a:prstGeom prst="rightArrowCallout">
-              <a:avLst/>
-            </a:prstGeom>
-            <a:solidFill>
-              <a:schemeClr val="accent2">
-                <a:lumMod val="60000"/>
-                <a:lumOff val="40000"/>
-                <a:alpha val="0"/>
-              </a:schemeClr>
-            </a:solidFill>
-            <a:ln w="50800">
-              <a:solidFill>
-                <a:schemeClr val="accent1">
-                  <a:lumMod val="75000"/>
-                </a:schemeClr>
-              </a:solidFill>
-            </a:ln>
-          </p:spPr>
-          <p:style>
-            <a:lnRef idx="2">
-              <a:schemeClr val="accent1">
-                <a:shade val="50000"/>
-              </a:schemeClr>
-            </a:lnRef>
-            <a:fillRef idx="1">
-              <a:schemeClr val="accent1"/>
-            </a:fillRef>
-            <a:effectRef idx="0">
-              <a:schemeClr val="accent1"/>
-            </a:effectRef>
-            <a:fontRef idx="minor">
-              <a:schemeClr val="lt1"/>
-            </a:fontRef>
-          </p:style>
-          <p:txBody>
-            <a:bodyPr rtlCol="0" anchor="ctr"/>
-            <a:p>
-              <a:pPr algn="ctr"/>
-              <a:endParaRPr lang="en-US"/>
-            </a:p>
-          </p:txBody>
-        </p:sp>
-        <p:grpSp>
-          <p:nvGrpSpPr>
-            <p:cNvPr id="9" name="Group 8"/>
-            <p:cNvGrpSpPr/>
-            <p:nvPr/>
-          </p:nvGrpSpPr>
-          <p:grpSpPr>
-            <a:xfrm>
-              <a:off x="1454" y="1095"/>
-              <a:ext cx="3110" cy="8833"/>
-              <a:chOff x="2804" y="1545"/>
-              <a:chExt cx="3110" cy="8833"/>
-            </a:xfrm>
-          </p:grpSpPr>
-          <p:sp>
-            <p:nvSpPr>
-              <p:cNvPr id="4" name="Rounded Rectangle 3"/>
-              <p:cNvSpPr/>
-              <p:nvPr/>
-            </p:nvSpPr>
-            <p:spPr>
-              <a:xfrm>
-                <a:off x="2804" y="1545"/>
-                <a:ext cx="3110" cy="2044"/>
-              </a:xfrm>
-              <a:prstGeom prst="roundRect">
-                <a:avLst/>
-              </a:prstGeom>
-              <a:solidFill>
-                <a:schemeClr val="accent1">
-                  <a:lumMod val="60000"/>
-                  <a:lumOff val="40000"/>
-                </a:schemeClr>
-              </a:solidFill>
-              <a:ln w="50800" cmpd="sng">
-                <a:solidFill>
-                  <a:schemeClr val="accent1">
-                    <a:lumMod val="75000"/>
-                  </a:schemeClr>
-                </a:solidFill>
-                <a:prstDash val="solid"/>
-              </a:ln>
-            </p:spPr>
-            <p:style>
-              <a:lnRef idx="2">
-                <a:schemeClr val="accent1">
-                  <a:shade val="50000"/>
-                </a:schemeClr>
-              </a:lnRef>
-              <a:fillRef idx="1">
-                <a:schemeClr val="accent1"/>
-              </a:fillRef>
-              <a:effectRef idx="0">
-                <a:schemeClr val="accent1"/>
-              </a:effectRef>
-              <a:fontRef idx="minor">
-                <a:schemeClr val="lt1"/>
-              </a:fontRef>
-            </p:style>
-            <p:txBody>
-              <a:bodyPr rtlCol="0" anchor="ctr"/>
-              <a:p>
-                <a:pPr algn="ctr"/>
-                <a:r>
-                  <a:rPr lang="en-US" altLang="en-US" b="1">
-                    <a:solidFill>
-                      <a:schemeClr val="accent1">
-                        <a:lumMod val="50000"/>
-                      </a:schemeClr>
-                    </a:solidFill>
-                    <a:sym typeface="+mn-ea"/>
-                  </a:rPr>
-                  <a:t>C</a:t>
-                </a:r>
-                <a:r>
-                  <a:rPr lang="" altLang="en-US" b="1">
-                    <a:solidFill>
-                      <a:schemeClr val="accent1">
-                        <a:lumMod val="50000"/>
-                      </a:schemeClr>
-                    </a:solidFill>
-                    <a:sym typeface="+mn-ea"/>
-                  </a:rPr>
-                  <a:t>V1 </a:t>
-                </a:r>
-                <a:r>
-                  <a:rPr lang="en-US">
-                    <a:latin typeface="P052" charset="0"/>
-                    <a:sym typeface="+mn-ea"/>
-                  </a:rPr>
-                  <a:t>➡</a:t>
-                </a:r>
-                <a:endParaRPr lang="en-US">
-                  <a:latin typeface="P052" charset="0"/>
-                </a:endParaRPr>
-              </a:p>
-              <a:p>
-                <a:pPr algn="ctr"/>
-                <a:r>
-                  <a:rPr lang="" altLang="en-US" b="1">
-                    <a:solidFill>
-                      <a:schemeClr val="accent1">
-                        <a:lumMod val="50000"/>
-                      </a:schemeClr>
-                    </a:solidFill>
-                    <a:sym typeface="+mn-ea"/>
-                  </a:rPr>
-                  <a:t> </a:t>
-                </a:r>
-                <a:r>
-                  <a:rPr lang="" altLang="en-US" b="1">
-                    <a:solidFill>
-                      <a:schemeClr val="tx1">
-                        <a:lumMod val="65000"/>
-                        <a:lumOff val="35000"/>
-                      </a:schemeClr>
-                    </a:solidFill>
-                    <a:sym typeface="+mn-ea"/>
-                  </a:rPr>
-                  <a:t>MODEL C</a:t>
-                </a:r>
-                <a:endParaRPr lang="" altLang="en-US" b="1">
-                  <a:solidFill>
-                    <a:schemeClr val="tx1">
-                      <a:lumMod val="65000"/>
-                      <a:lumOff val="35000"/>
-                    </a:schemeClr>
-                  </a:solidFill>
-                  <a:sym typeface="+mn-ea"/>
-                </a:endParaRPr>
-              </a:p>
-            </p:txBody>
-          </p:sp>
-          <p:sp>
-            <p:nvSpPr>
-              <p:cNvPr id="6" name="Rounded Rectangle 5"/>
-              <p:cNvSpPr/>
-              <p:nvPr/>
-            </p:nvSpPr>
-            <p:spPr>
-              <a:xfrm>
-                <a:off x="2804" y="3820"/>
-                <a:ext cx="3110" cy="2044"/>
-              </a:xfrm>
-              <a:prstGeom prst="roundRect">
-                <a:avLst/>
-              </a:prstGeom>
-              <a:solidFill>
-                <a:schemeClr val="accent1">
-                  <a:lumMod val="60000"/>
-                  <a:lumOff val="40000"/>
-                </a:schemeClr>
-              </a:solidFill>
-              <a:ln w="50800" cmpd="sng">
-                <a:solidFill>
-                  <a:schemeClr val="accent1">
-                    <a:lumMod val="75000"/>
-                  </a:schemeClr>
-                </a:solidFill>
-                <a:prstDash val="solid"/>
-              </a:ln>
-            </p:spPr>
-            <p:style>
-              <a:lnRef idx="2">
-                <a:schemeClr val="accent1">
-                  <a:shade val="50000"/>
-                </a:schemeClr>
-              </a:lnRef>
-              <a:fillRef idx="1">
-                <a:schemeClr val="accent1"/>
-              </a:fillRef>
-              <a:effectRef idx="0">
-                <a:schemeClr val="accent1"/>
-              </a:effectRef>
-              <a:fontRef idx="minor">
-                <a:schemeClr val="lt1"/>
-              </a:fontRef>
-            </p:style>
-            <p:txBody>
-              <a:bodyPr rtlCol="0" anchor="ctr"/>
-              <a:p>
-                <a:pPr algn="ctr"/>
-                <a:r>
-                  <a:rPr lang="en-US" altLang="en-US" b="1">
-                    <a:solidFill>
-                      <a:schemeClr val="accent1">
-                        <a:lumMod val="50000"/>
-                      </a:schemeClr>
-                    </a:solidFill>
-                    <a:sym typeface="+mn-ea"/>
-                  </a:rPr>
-                  <a:t>C</a:t>
-                </a:r>
-                <a:r>
-                  <a:rPr lang="" altLang="en-US" b="1">
-                    <a:solidFill>
-                      <a:schemeClr val="accent1">
-                        <a:lumMod val="50000"/>
-                      </a:schemeClr>
-                    </a:solidFill>
-                    <a:sym typeface="+mn-ea"/>
-                  </a:rPr>
-                  <a:t>V2 </a:t>
-                </a:r>
-                <a:r>
-                  <a:rPr lang="en-US">
-                    <a:latin typeface="P052" charset="0"/>
-                    <a:sym typeface="+mn-ea"/>
-                  </a:rPr>
-                  <a:t>➡</a:t>
-                </a:r>
-                <a:endParaRPr lang="en-US">
-                  <a:latin typeface="P052" charset="0"/>
-                </a:endParaRPr>
-              </a:p>
-              <a:p>
-                <a:pPr algn="ctr"/>
-                <a:r>
-                  <a:rPr lang="en-US" altLang="en-US" b="1">
-                    <a:solidFill>
-                      <a:schemeClr val="accent1">
-                        <a:lumMod val="50000"/>
-                      </a:schemeClr>
-                    </a:solidFill>
-                    <a:sym typeface="+mn-ea"/>
-                  </a:rPr>
-                  <a:t> </a:t>
-                </a:r>
-                <a:r>
-                  <a:rPr lang="en-US" altLang="en-US" b="1">
-                    <a:solidFill>
-                      <a:schemeClr val="tx1">
-                        <a:lumMod val="65000"/>
-                        <a:lumOff val="35000"/>
-                      </a:schemeClr>
-                    </a:solidFill>
-                    <a:sym typeface="+mn-ea"/>
-                  </a:rPr>
-                  <a:t>MODEL A</a:t>
-                </a:r>
-                <a:endParaRPr lang="en-US" altLang="en-US" b="1">
-                  <a:solidFill>
-                    <a:schemeClr val="tx1">
-                      <a:lumMod val="65000"/>
-                      <a:lumOff val="35000"/>
-                    </a:schemeClr>
-                  </a:solidFill>
-                  <a:sym typeface="+mn-ea"/>
-                </a:endParaRPr>
-              </a:p>
-            </p:txBody>
-          </p:sp>
-          <p:sp>
-            <p:nvSpPr>
-              <p:cNvPr id="7" name="Rounded Rectangle 6"/>
-              <p:cNvSpPr/>
-              <p:nvPr/>
-            </p:nvSpPr>
-            <p:spPr>
-              <a:xfrm>
-                <a:off x="2804" y="6077"/>
-                <a:ext cx="3110" cy="2044"/>
-              </a:xfrm>
-              <a:prstGeom prst="roundRect">
-                <a:avLst/>
-              </a:prstGeom>
-              <a:solidFill>
-                <a:schemeClr val="accent1">
-                  <a:lumMod val="60000"/>
-                  <a:lumOff val="40000"/>
-                </a:schemeClr>
-              </a:solidFill>
-              <a:ln w="50800" cmpd="sng">
-                <a:solidFill>
-                  <a:schemeClr val="accent1">
-                    <a:lumMod val="75000"/>
-                  </a:schemeClr>
-                </a:solidFill>
-                <a:prstDash val="solid"/>
-              </a:ln>
-            </p:spPr>
-            <p:style>
-              <a:lnRef idx="2">
-                <a:schemeClr val="accent1">
-                  <a:shade val="50000"/>
-                </a:schemeClr>
-              </a:lnRef>
-              <a:fillRef idx="1">
-                <a:schemeClr val="accent1"/>
-              </a:fillRef>
-              <a:effectRef idx="0">
-                <a:schemeClr val="accent1"/>
-              </a:effectRef>
-              <a:fontRef idx="minor">
-                <a:schemeClr val="lt1"/>
-              </a:fontRef>
-            </p:style>
-            <p:txBody>
-              <a:bodyPr rtlCol="0" anchor="ctr"/>
-              <a:p>
-                <a:pPr algn="ctr"/>
-                <a:r>
-                  <a:rPr lang="en-US" altLang="en-US" b="1">
-                    <a:solidFill>
-                      <a:schemeClr val="accent1">
-                        <a:lumMod val="50000"/>
-                      </a:schemeClr>
-                    </a:solidFill>
-                    <a:sym typeface="+mn-ea"/>
-                  </a:rPr>
-                  <a:t>C</a:t>
-                </a:r>
-                <a:r>
-                  <a:rPr lang="" altLang="en-US" b="1">
-                    <a:solidFill>
-                      <a:schemeClr val="accent1">
-                        <a:lumMod val="50000"/>
-                      </a:schemeClr>
-                    </a:solidFill>
-                    <a:sym typeface="+mn-ea"/>
-                  </a:rPr>
-                  <a:t>V3 </a:t>
-                </a:r>
-                <a:r>
-                  <a:rPr lang="en-US">
-                    <a:latin typeface="P052" charset="0"/>
-                    <a:sym typeface="+mn-ea"/>
-                  </a:rPr>
-                  <a:t>➡</a:t>
-                </a:r>
-                <a:endParaRPr lang="en-US">
-                  <a:latin typeface="P052" charset="0"/>
-                </a:endParaRPr>
-              </a:p>
-              <a:p>
-                <a:pPr algn="ctr"/>
-                <a:r>
-                  <a:rPr lang="en-US" altLang="en-US" b="1">
-                    <a:solidFill>
-                      <a:schemeClr val="accent1">
-                        <a:lumMod val="50000"/>
-                      </a:schemeClr>
-                    </a:solidFill>
-                    <a:sym typeface="+mn-ea"/>
-                  </a:rPr>
-                  <a:t> </a:t>
-                </a:r>
-                <a:r>
-                  <a:rPr lang="en-US" altLang="en-US" b="1">
-                    <a:solidFill>
-                      <a:schemeClr val="tx1">
-                        <a:lumMod val="65000"/>
-                        <a:lumOff val="35000"/>
-                      </a:schemeClr>
-                    </a:solidFill>
-                    <a:sym typeface="+mn-ea"/>
-                  </a:rPr>
-                  <a:t>MODEL A</a:t>
-                </a:r>
-                <a:endParaRPr lang="en-US" altLang="en-US" b="1">
-                  <a:solidFill>
-                    <a:schemeClr val="tx1">
-                      <a:lumMod val="65000"/>
-                      <a:lumOff val="35000"/>
-                    </a:schemeClr>
-                  </a:solidFill>
-                  <a:sym typeface="+mn-ea"/>
-                </a:endParaRPr>
-              </a:p>
-            </p:txBody>
-          </p:sp>
-          <p:sp>
-            <p:nvSpPr>
-              <p:cNvPr id="8" name="Rounded Rectangle 7"/>
-              <p:cNvSpPr/>
-              <p:nvPr/>
-            </p:nvSpPr>
-            <p:spPr>
-              <a:xfrm>
-                <a:off x="2804" y="8334"/>
-                <a:ext cx="3110" cy="2044"/>
-              </a:xfrm>
-              <a:prstGeom prst="roundRect">
-                <a:avLst/>
-              </a:prstGeom>
-              <a:solidFill>
-                <a:schemeClr val="accent1">
-                  <a:lumMod val="60000"/>
-                  <a:lumOff val="40000"/>
-                </a:schemeClr>
-              </a:solidFill>
-              <a:ln w="50800" cmpd="sng">
-                <a:solidFill>
-                  <a:schemeClr val="accent1">
-                    <a:lumMod val="75000"/>
-                  </a:schemeClr>
-                </a:solidFill>
-                <a:prstDash val="solid"/>
-              </a:ln>
-            </p:spPr>
-            <p:style>
-              <a:lnRef idx="2">
-                <a:schemeClr val="accent1">
-                  <a:shade val="50000"/>
-                </a:schemeClr>
-              </a:lnRef>
-              <a:fillRef idx="1">
-                <a:schemeClr val="accent1"/>
-              </a:fillRef>
-              <a:effectRef idx="0">
-                <a:schemeClr val="accent1"/>
-              </a:effectRef>
-              <a:fontRef idx="minor">
-                <a:schemeClr val="lt1"/>
-              </a:fontRef>
-            </p:style>
-            <p:txBody>
-              <a:bodyPr rtlCol="0" anchor="ctr"/>
-              <a:p>
-                <a:pPr algn="ctr"/>
-                <a:r>
-                  <a:rPr lang="en-US" altLang="en-US" b="1">
-                    <a:solidFill>
-                      <a:schemeClr val="accent1">
-                        <a:lumMod val="50000"/>
-                      </a:schemeClr>
-                    </a:solidFill>
-                    <a:sym typeface="+mn-ea"/>
-                  </a:rPr>
-                  <a:t>C</a:t>
-                </a:r>
-                <a:r>
-                  <a:rPr lang="" altLang="en-US" b="1">
-                    <a:solidFill>
-                      <a:schemeClr val="accent1">
-                        <a:lumMod val="50000"/>
-                      </a:schemeClr>
-                    </a:solidFill>
-                    <a:sym typeface="+mn-ea"/>
-                  </a:rPr>
-                  <a:t>V4 </a:t>
-                </a:r>
-                <a:r>
-                  <a:rPr lang="en-US">
-                    <a:latin typeface="P052" charset="0"/>
-                    <a:sym typeface="+mn-ea"/>
-                  </a:rPr>
-                  <a:t>➡</a:t>
-                </a:r>
-                <a:endParaRPr lang="en-US">
-                  <a:latin typeface="P052" charset="0"/>
-                </a:endParaRPr>
-              </a:p>
-              <a:p>
-                <a:pPr algn="ctr"/>
-                <a:r>
-                  <a:rPr lang="en-US" altLang="en-US" b="1">
-                    <a:solidFill>
-                      <a:schemeClr val="accent1">
-                        <a:lumMod val="50000"/>
-                      </a:schemeClr>
-                    </a:solidFill>
-                    <a:sym typeface="+mn-ea"/>
-                  </a:rPr>
-                  <a:t> </a:t>
-                </a:r>
-                <a:r>
-                  <a:rPr lang="en-US" altLang="en-US" b="1">
-                    <a:solidFill>
-                      <a:schemeClr val="tx1">
-                        <a:lumMod val="65000"/>
-                        <a:lumOff val="35000"/>
-                      </a:schemeClr>
-                    </a:solidFill>
-                    <a:sym typeface="+mn-ea"/>
-                  </a:rPr>
-                  <a:t>MODEL </a:t>
-                </a:r>
-                <a:r>
-                  <a:rPr lang="" altLang="en-US" b="1">
-                    <a:solidFill>
-                      <a:schemeClr val="tx1">
-                        <a:lumMod val="65000"/>
-                        <a:lumOff val="35000"/>
-                      </a:schemeClr>
-                    </a:solidFill>
-                    <a:sym typeface="+mn-ea"/>
-                  </a:rPr>
-                  <a:t>B</a:t>
-                </a:r>
-                <a:endParaRPr lang="" altLang="en-US" b="1">
-                  <a:solidFill>
-                    <a:schemeClr val="tx1">
-                      <a:lumMod val="65000"/>
-                      <a:lumOff val="35000"/>
-                    </a:schemeClr>
-                  </a:solidFill>
-                  <a:sym typeface="+mn-ea"/>
-                </a:endParaRPr>
-              </a:p>
-            </p:txBody>
-          </p:sp>
-        </p:grpSp>
-        <p:sp>
-          <p:nvSpPr>
-            <p:cNvPr id="60" name="Rounded Rectangle 59"/>
-            <p:cNvSpPr/>
-            <p:nvPr/>
-          </p:nvSpPr>
-          <p:spPr>
-            <a:xfrm>
-              <a:off x="6687" y="3622"/>
-              <a:ext cx="3806" cy="3795"/>
-            </a:xfrm>
-            <a:prstGeom prst="roundRect">
-              <a:avLst/>
-            </a:prstGeom>
-            <a:solidFill>
-              <a:srgbClr val="BC90DE"/>
-            </a:solidFill>
-            <a:ln w="50800" cmpd="sng">
-              <a:solidFill>
-                <a:srgbClr val="7030A0"/>
-              </a:solidFill>
-              <a:prstDash val="solid"/>
-            </a:ln>
-          </p:spPr>
-          <p:style>
-            <a:lnRef idx="2">
-              <a:schemeClr val="accent1">
-                <a:shade val="50000"/>
-              </a:schemeClr>
-            </a:lnRef>
-            <a:fillRef idx="1">
-              <a:schemeClr val="accent1"/>
-            </a:fillRef>
-            <a:effectRef idx="0">
-              <a:schemeClr val="accent1"/>
-            </a:effectRef>
-            <a:fontRef idx="minor">
-              <a:schemeClr val="lt1"/>
-            </a:fontRef>
-          </p:style>
-          <p:txBody>
-            <a:bodyPr rtlCol="0" anchor="ctr"/>
-            <a:p>
-              <a:pPr algn="ctr"/>
-              <a:r>
-                <a:rPr lang="" altLang="en-US" b="1">
-                  <a:solidFill>
-                    <a:srgbClr val="7030A0"/>
-                  </a:solidFill>
-                  <a:sym typeface="+mn-ea"/>
-                </a:rPr>
-                <a:t>SELECT</a:t>
-              </a:r>
-              <a:endParaRPr lang="" altLang="en-US" b="1">
-                <a:solidFill>
-                  <a:srgbClr val="7030A0"/>
-                </a:solidFill>
-                <a:sym typeface="+mn-ea"/>
-              </a:endParaRPr>
-            </a:p>
-            <a:p>
-              <a:pPr algn="ctr"/>
-              <a:r>
-                <a:rPr lang="" altLang="en-US" b="1">
-                  <a:solidFill>
-                    <a:srgbClr val="7030A0"/>
-                  </a:solidFill>
-                  <a:sym typeface="+mn-ea"/>
-                </a:rPr>
-                <a:t>BEST</a:t>
-              </a:r>
-              <a:endParaRPr lang="" altLang="en-US" b="1">
-                <a:solidFill>
-                  <a:srgbClr val="7030A0"/>
-                </a:solidFill>
-                <a:sym typeface="+mn-ea"/>
-              </a:endParaRPr>
-            </a:p>
-          </p:txBody>
-        </p:sp>
-        <p:sp>
-          <p:nvSpPr>
-            <p:cNvPr id="10" name="Rounded Rectangle 9"/>
-            <p:cNvSpPr/>
-            <p:nvPr/>
-          </p:nvSpPr>
-          <p:spPr>
-            <a:xfrm>
-              <a:off x="10820" y="4241"/>
-              <a:ext cx="3806" cy="2444"/>
-            </a:xfrm>
-            <a:prstGeom prst="roundRect">
-              <a:avLst/>
-            </a:prstGeom>
-            <a:solidFill>
-              <a:srgbClr val="BC90DE"/>
-            </a:solidFill>
-            <a:ln w="50800" cmpd="sng">
-              <a:solidFill>
-                <a:srgbClr val="7030A0"/>
-              </a:solidFill>
-              <a:prstDash val="solid"/>
-            </a:ln>
-          </p:spPr>
-          <p:style>
-            <a:lnRef idx="2">
-              <a:schemeClr val="accent1">
-                <a:shade val="50000"/>
-              </a:schemeClr>
-            </a:lnRef>
-            <a:fillRef idx="1">
-              <a:schemeClr val="accent1"/>
-            </a:fillRef>
-            <a:effectRef idx="0">
-              <a:schemeClr val="accent1"/>
-            </a:effectRef>
-            <a:fontRef idx="minor">
-              <a:schemeClr val="lt1"/>
-            </a:fontRef>
-          </p:style>
-          <p:txBody>
-            <a:bodyPr rtlCol="0" anchor="ctr"/>
-            <a:p>
-              <a:pPr algn="ctr"/>
-              <a:r>
-                <a:rPr lang="" altLang="en-US" b="1">
-                  <a:solidFill>
-                    <a:srgbClr val="7030A0"/>
-                  </a:solidFill>
-                  <a:sym typeface="+mn-ea"/>
-                </a:rPr>
-                <a:t>RETRAIN ON</a:t>
-              </a:r>
-              <a:endParaRPr lang="" altLang="en-US" b="1">
-                <a:solidFill>
-                  <a:srgbClr val="7030A0"/>
-                </a:solidFill>
-                <a:sym typeface="+mn-ea"/>
-              </a:endParaRPr>
-            </a:p>
-            <a:p>
-              <a:pPr algn="ctr"/>
-              <a:r>
-                <a:rPr lang="" altLang="en-US" b="1">
-                  <a:solidFill>
-                    <a:srgbClr val="7030A0"/>
-                  </a:solidFill>
-                  <a:sym typeface="+mn-ea"/>
-                </a:rPr>
-                <a:t>ALL DATA</a:t>
-              </a:r>
-              <a:endParaRPr lang="" altLang="en-US" b="1">
-                <a:solidFill>
-                  <a:srgbClr val="7030A0"/>
-                </a:solidFill>
-                <a:sym typeface="+mn-ea"/>
-              </a:endParaRPr>
-            </a:p>
-          </p:txBody>
-        </p:sp>
-      </p:grpSp>
-      <p:sp>
-        <p:nvSpPr>
-          <p:cNvPr id="97" name="Rounded Rectangle 96"/>
-          <p:cNvSpPr/>
-          <p:nvPr/>
-        </p:nvSpPr>
-        <p:spPr>
-          <a:xfrm rot="16200000">
-            <a:off x="-104775" y="3073400"/>
-            <a:ext cx="1756410" cy="710565"/>
-          </a:xfrm>
-          <a:prstGeom prst="roundRect">
-            <a:avLst/>
-          </a:prstGeom>
-          <a:solidFill>
-            <a:schemeClr val="bg1">
-              <a:lumMod val="75000"/>
-            </a:schemeClr>
-          </a:solidFill>
-          <a:ln w="50800" cmpd="sng">
-            <a:solidFill>
-              <a:schemeClr val="bg1">
-                <a:lumMod val="50000"/>
-              </a:schemeClr>
-            </a:solidFill>
-            <a:prstDash val="solid"/>
-          </a:ln>
-        </p:spPr>
-        <p:style>
-          <a:lnRef idx="2">
-            <a:schemeClr val="accent1">
-              <a:shade val="50000"/>
-            </a:schemeClr>
-          </a:lnRef>
-          <a:fillRef idx="1">
-            <a:schemeClr val="accent1"/>
-          </a:fillRef>
-          <a:effectRef idx="0">
-            <a:schemeClr val="accent1"/>
-          </a:effectRef>
-          <a:fontRef idx="minor">
-            <a:schemeClr val="lt1"/>
-          </a:fontRef>
-        </p:style>
-        <p:txBody>
-          <a:bodyPr rtlCol="0" anchor="ctr"/>
-          <a:p>
-            <a:pPr algn="ctr"/>
-            <a:r>
-              <a:rPr lang="en-US" altLang="en-US" b="1">
-                <a:solidFill>
-                  <a:schemeClr val="tx1">
-                    <a:lumMod val="65000"/>
-                    <a:lumOff val="35000"/>
-                  </a:schemeClr>
-                </a:solidFill>
-                <a:sym typeface="+mn-ea"/>
-              </a:rPr>
-              <a:t>ALL DATA</a:t>
-            </a:r>
-            <a:endParaRPr lang="en-US" altLang="en-US" b="1">
-              <a:solidFill>
-                <a:schemeClr val="tx1">
-                  <a:lumMod val="65000"/>
-                  <a:lumOff val="35000"/>
-                </a:schemeClr>
-              </a:solidFill>
-              <a:sym typeface="+mn-ea"/>
-            </a:endParaRPr>
-          </a:p>
-        </p:txBody>
-      </p:sp>
-      <p:sp>
-        <p:nvSpPr>
-          <p:cNvPr id="38" name="Rounded Rectangle 37"/>
-          <p:cNvSpPr/>
-          <p:nvPr/>
-        </p:nvSpPr>
-        <p:spPr>
-          <a:xfrm>
-            <a:off x="10165715" y="2415540"/>
-            <a:ext cx="1640840" cy="710565"/>
-          </a:xfrm>
-          <a:prstGeom prst="roundRect">
-            <a:avLst/>
-          </a:prstGeom>
-          <a:solidFill>
-            <a:schemeClr val="accent2">
-              <a:lumMod val="60000"/>
-              <a:lumOff val="40000"/>
-            </a:schemeClr>
-          </a:solidFill>
-          <a:ln w="50800" cmpd="sng">
-            <a:solidFill>
-              <a:schemeClr val="accent2">
-                <a:lumMod val="75000"/>
-              </a:schemeClr>
-            </a:solidFill>
-            <a:prstDash val="solid"/>
-          </a:ln>
-        </p:spPr>
-        <p:style>
-          <a:lnRef idx="2">
-            <a:schemeClr val="accent1">
-              <a:shade val="50000"/>
-            </a:schemeClr>
-          </a:lnRef>
-          <a:fillRef idx="1">
-            <a:schemeClr val="accent1"/>
-          </a:fillRef>
-          <a:effectRef idx="0">
-            <a:schemeClr val="accent1"/>
-          </a:effectRef>
-          <a:fontRef idx="minor">
-            <a:schemeClr val="lt1"/>
-          </a:fontRef>
-        </p:style>
-        <p:txBody>
-          <a:bodyPr rtlCol="0" anchor="ctr"/>
-          <a:p>
-            <a:pPr algn="ctr"/>
-            <a:r>
-              <a:rPr lang="" b="1">
-                <a:solidFill>
-                  <a:schemeClr val="accent2">
-                    <a:lumMod val="75000"/>
-                  </a:schemeClr>
-                </a:solidFill>
-                <a:sym typeface="+mn-ea"/>
-              </a:rPr>
-              <a:t>MODEL</a:t>
-            </a:r>
-            <a:endParaRPr lang="" b="1">
-              <a:solidFill>
-                <a:schemeClr val="accent4">
-                  <a:lumMod val="50000"/>
-                </a:schemeClr>
-              </a:solidFill>
-              <a:sym typeface="+mn-ea"/>
-            </a:endParaRPr>
-          </a:p>
-        </p:txBody>
-      </p:sp>
-      <p:sp>
-        <p:nvSpPr>
-          <p:cNvPr id="16" name="Rounded Rectangle 15"/>
-          <p:cNvSpPr/>
-          <p:nvPr/>
-        </p:nvSpPr>
-        <p:spPr>
-          <a:xfrm>
-            <a:off x="10165715" y="3491865"/>
-            <a:ext cx="1640840" cy="710565"/>
-          </a:xfrm>
-          <a:prstGeom prst="roundRect">
-            <a:avLst/>
-          </a:prstGeom>
-          <a:solidFill>
-            <a:schemeClr val="accent2">
-              <a:lumMod val="60000"/>
-              <a:lumOff val="40000"/>
-            </a:schemeClr>
-          </a:solidFill>
-          <a:ln w="50800" cmpd="sng">
-            <a:solidFill>
-              <a:schemeClr val="accent2">
-                <a:lumMod val="75000"/>
-              </a:schemeClr>
-            </a:solidFill>
-            <a:prstDash val="solid"/>
-          </a:ln>
-        </p:spPr>
-        <p:style>
-          <a:lnRef idx="2">
-            <a:schemeClr val="accent1">
-              <a:shade val="50000"/>
-            </a:schemeClr>
-          </a:lnRef>
-          <a:fillRef idx="1">
-            <a:schemeClr val="accent1"/>
-          </a:fillRef>
-          <a:effectRef idx="0">
-            <a:schemeClr val="accent1"/>
-          </a:effectRef>
-          <a:fontRef idx="minor">
-            <a:schemeClr val="lt1"/>
-          </a:fontRef>
-        </p:style>
-        <p:txBody>
-          <a:bodyPr rtlCol="0" anchor="ctr"/>
-          <a:p>
-            <a:pPr algn="ctr"/>
-            <a:r>
-              <a:rPr lang="" altLang="en-US" b="1">
-                <a:solidFill>
-                  <a:schemeClr val="accent2">
-                    <a:lumMod val="75000"/>
-                  </a:schemeClr>
-                </a:solidFill>
-                <a:sym typeface="+mn-ea"/>
-              </a:rPr>
-              <a:t>PERFs</a:t>
-            </a:r>
-            <a:endParaRPr lang="" altLang="en-US" b="1" i="1">
-              <a:solidFill>
-                <a:schemeClr val="accent2">
-                  <a:lumMod val="75000"/>
-                </a:schemeClr>
-              </a:solidFill>
-              <a:sym typeface="+mn-ea"/>
-            </a:endParaRPr>
           </a:p>
         </p:txBody>
       </p:sp>
